--- a/file/ppt.pptx
+++ b/file/ppt.pptx
@@ -10,7 +10,7 @@
     <p:sldId id="291" r:id="rId4"/>
     <p:sldId id="265" r:id="rId5"/>
     <p:sldId id="266" r:id="rId6"/>
-    <p:sldId id="287" r:id="rId7"/>
+    <p:sldId id="293" r:id="rId7"/>
     <p:sldId id="292" r:id="rId8"/>
     <p:sldId id="268" r:id="rId9"/>
     <p:sldId id="288" r:id="rId10"/>
@@ -17005,11 +17005,7 @@
             <a:graphicFrameLocks noGrp="1"/>
           </p:cNvGraphicFramePr>
           <p:nvPr>
-            <p:extLst>
-              <p:ext uri="{D42A27DB-BD31-4B8C-83A1-F6EECF244321}">
-                <p14:modId xmlns:p14="http://schemas.microsoft.com/office/powerpoint/2010/main" val="3005083667"/>
-              </p:ext>
-            </p:extLst>
+            <p:extLst/>
           </p:nvPr>
         </p:nvGraphicFramePr>
         <p:xfrm>
@@ -17715,7 +17711,7 @@
       </p:pic>
       <p:pic>
         <p:nvPicPr>
-          <p:cNvPr id="2" name="그림 1"/>
+          <p:cNvPr id="8" name="그림 7"/>
           <p:cNvPicPr>
             <a:picLocks noChangeAspect="1"/>
           </p:cNvPicPr>
@@ -17729,8 +17725,8 @@
         </p:blipFill>
         <p:spPr>
           <a:xfrm>
-            <a:off x="364054" y="1234262"/>
-            <a:ext cx="11436058" cy="5324587"/>
+            <a:off x="364054" y="1210014"/>
+            <a:ext cx="11437459" cy="5322936"/>
           </a:xfrm>
           <a:prstGeom prst="rect">
             <a:avLst/>
@@ -17862,7 +17858,7 @@
       </p:grpSp>
       <p:sp>
         <p:nvSpPr>
-          <p:cNvPr id="6" name="직사각형 5"/>
+          <p:cNvPr id="41" name="직사각형 40"/>
           <p:cNvSpPr/>
           <p:nvPr/>
         </p:nvSpPr>
@@ -17914,7 +17910,7 @@
       </p:sp>
       <p:sp>
         <p:nvSpPr>
-          <p:cNvPr id="33" name="직사각형 32"/>
+          <p:cNvPr id="42" name="직사각형 41"/>
           <p:cNvSpPr/>
           <p:nvPr/>
         </p:nvSpPr>
@@ -17966,7 +17962,7 @@
       </p:sp>
       <p:sp>
         <p:nvSpPr>
-          <p:cNvPr id="34" name="직사각형 33"/>
+          <p:cNvPr id="43" name="직사각형 42"/>
           <p:cNvSpPr/>
           <p:nvPr/>
         </p:nvSpPr>
@@ -18018,7 +18014,7 @@
       </p:sp>
       <p:sp>
         <p:nvSpPr>
-          <p:cNvPr id="35" name="직사각형 34"/>
+          <p:cNvPr id="45" name="직사각형 44"/>
           <p:cNvSpPr/>
           <p:nvPr/>
         </p:nvSpPr>
@@ -18070,7 +18066,7 @@
       </p:sp>
       <p:sp>
         <p:nvSpPr>
-          <p:cNvPr id="36" name="직사각형 35"/>
+          <p:cNvPr id="46" name="직사각형 45"/>
           <p:cNvSpPr/>
           <p:nvPr/>
         </p:nvSpPr>
@@ -18122,7 +18118,7 @@
       </p:sp>
       <p:sp>
         <p:nvSpPr>
-          <p:cNvPr id="40" name="직사각형 39"/>
+          <p:cNvPr id="48" name="직사각형 47"/>
           <p:cNvSpPr/>
           <p:nvPr/>
         </p:nvSpPr>
@@ -18174,7 +18170,7 @@
       </p:sp>
       <p:sp>
         <p:nvSpPr>
-          <p:cNvPr id="47" name="직사각형 46"/>
+          <p:cNvPr id="49" name="직사각형 48"/>
           <p:cNvSpPr/>
           <p:nvPr/>
         </p:nvSpPr>
@@ -18226,13 +18222,13 @@
       </p:sp>
       <p:sp>
         <p:nvSpPr>
-          <p:cNvPr id="50" name="직사각형 49"/>
+          <p:cNvPr id="58" name="직사각형 57"/>
           <p:cNvSpPr/>
           <p:nvPr/>
         </p:nvSpPr>
         <p:spPr>
           <a:xfrm>
-            <a:off x="6281825" y="1171612"/>
+            <a:off x="6376747" y="1124623"/>
             <a:ext cx="596066" cy="253045"/>
           </a:xfrm>
           <a:prstGeom prst="rect">
@@ -18278,13 +18274,13 @@
       </p:sp>
       <p:sp>
         <p:nvSpPr>
-          <p:cNvPr id="51" name="직사각형 50"/>
+          <p:cNvPr id="59" name="직사각형 58"/>
           <p:cNvSpPr/>
           <p:nvPr/>
         </p:nvSpPr>
         <p:spPr>
           <a:xfrm>
-            <a:off x="6281824" y="2733236"/>
+            <a:off x="6400669" y="2652776"/>
             <a:ext cx="759055" cy="253045"/>
           </a:xfrm>
           <a:prstGeom prst="rect">
@@ -18313,7 +18309,7 @@
           <a:p>
             <a:pPr algn="ctr"/>
             <a:r>
-              <a:rPr lang="ko-KR" altLang="en-US" sz="1400" smtClean="0">
+              <a:rPr lang="ko-KR" altLang="en-US" sz="1400" dirty="0" smtClean="0">
                 <a:solidFill>
                   <a:schemeClr val="bg1"/>
                 </a:solidFill>
@@ -18330,13 +18326,13 @@
       </p:sp>
       <p:sp>
         <p:nvSpPr>
-          <p:cNvPr id="52" name="직사각형 51"/>
+          <p:cNvPr id="60" name="직사각형 59"/>
           <p:cNvSpPr/>
           <p:nvPr/>
         </p:nvSpPr>
         <p:spPr>
           <a:xfrm>
-            <a:off x="6281825" y="4041815"/>
+            <a:off x="6424394" y="4054406"/>
             <a:ext cx="596066" cy="253045"/>
           </a:xfrm>
           <a:prstGeom prst="rect">
@@ -18382,7 +18378,7 @@
       </p:sp>
       <p:sp>
         <p:nvSpPr>
-          <p:cNvPr id="53" name="직사각형 52"/>
+          <p:cNvPr id="61" name="직사각형 60"/>
           <p:cNvSpPr/>
           <p:nvPr/>
         </p:nvSpPr>
@@ -18417,7 +18413,7 @@
           <a:p>
             <a:pPr algn="ctr"/>
             <a:r>
-              <a:rPr lang="ko-KR" altLang="en-US" sz="1400" smtClean="0">
+              <a:rPr lang="ko-KR" altLang="en-US" sz="1400" dirty="0" smtClean="0">
                 <a:solidFill>
                   <a:schemeClr val="bg1"/>
                 </a:solidFill>
@@ -18434,13 +18430,13 @@
       </p:sp>
       <p:sp>
         <p:nvSpPr>
-          <p:cNvPr id="54" name="직사각형 53"/>
+          <p:cNvPr id="62" name="직사각형 61"/>
           <p:cNvSpPr/>
           <p:nvPr/>
         </p:nvSpPr>
         <p:spPr>
           <a:xfrm>
-            <a:off x="9118582" y="1844031"/>
+            <a:off x="9377662" y="1783703"/>
             <a:ext cx="924578" cy="253045"/>
           </a:xfrm>
           <a:prstGeom prst="rect">
@@ -18469,7 +18465,7 @@
           <a:p>
             <a:pPr algn="ctr"/>
             <a:r>
-              <a:rPr lang="ko-KR" altLang="en-US" sz="1400" smtClean="0">
+              <a:rPr lang="ko-KR" altLang="en-US" sz="1400" dirty="0" smtClean="0">
                 <a:solidFill>
                   <a:schemeClr val="bg1"/>
                 </a:solidFill>
@@ -18486,13 +18482,13 @@
       </p:sp>
       <p:sp>
         <p:nvSpPr>
-          <p:cNvPr id="55" name="직사각형 54"/>
+          <p:cNvPr id="63" name="직사각형 62"/>
           <p:cNvSpPr/>
           <p:nvPr/>
         </p:nvSpPr>
         <p:spPr>
           <a:xfrm>
-            <a:off x="9149062" y="2841492"/>
+            <a:off x="9377662" y="2779299"/>
             <a:ext cx="924578" cy="253045"/>
           </a:xfrm>
           <a:prstGeom prst="rect">
@@ -18538,13 +18534,13 @@
       </p:sp>
       <p:sp>
         <p:nvSpPr>
-          <p:cNvPr id="56" name="직사각형 55"/>
+          <p:cNvPr id="64" name="직사각형 63"/>
           <p:cNvSpPr/>
           <p:nvPr/>
         </p:nvSpPr>
         <p:spPr>
           <a:xfrm>
-            <a:off x="9110516" y="3959606"/>
+            <a:off x="9377662" y="3937615"/>
             <a:ext cx="924578" cy="253045"/>
           </a:xfrm>
           <a:prstGeom prst="rect">
@@ -18590,13 +18586,13 @@
       </p:sp>
       <p:sp>
         <p:nvSpPr>
-          <p:cNvPr id="57" name="직사각형 56"/>
+          <p:cNvPr id="65" name="직사각형 64"/>
           <p:cNvSpPr/>
           <p:nvPr/>
         </p:nvSpPr>
         <p:spPr>
           <a:xfrm>
-            <a:off x="9149062" y="5017394"/>
+            <a:off x="9377662" y="4969408"/>
             <a:ext cx="924578" cy="253045"/>
           </a:xfrm>
           <a:prstGeom prst="rect">
@@ -18643,7 +18639,7 @@
     </p:spTree>
     <p:extLst>
       <p:ext uri="{BB962C8B-B14F-4D97-AF65-F5344CB8AC3E}">
-        <p14:creationId xmlns:p14="http://schemas.microsoft.com/office/powerpoint/2010/main" val="3920648205"/>
+        <p14:creationId xmlns:p14="http://schemas.microsoft.com/office/powerpoint/2010/main" val="3564028654"/>
       </p:ext>
     </p:extLst>
   </p:cSld>

--- a/file/ppt.pptx
+++ b/file/ppt.pptx
@@ -5978,7 +5978,7 @@
           <p:nvPr>
             <p:extLst>
               <p:ext uri="{D42A27DB-BD31-4B8C-83A1-F6EECF244321}">
-                <p14:modId xmlns:p14="http://schemas.microsoft.com/office/powerpoint/2010/main" val="1907178394"/>
+                <p14:modId xmlns:p14="http://schemas.microsoft.com/office/powerpoint/2010/main" val="7747397"/>
               </p:ext>
             </p:extLst>
           </p:nvPr>
@@ -6084,26 +6084,6 @@
                     <a:lstStyle/>
                     <a:p>
                       <a:pPr algn="ctr" latinLnBrk="1"/>
-                      <a:r>
-                        <a:rPr kumimoji="0" lang="en-US" altLang="ko-KR" sz="1200" b="1" i="0" u="none" strike="noStrike" kern="1200" cap="none" spc="0" normalizeH="0" baseline="0" noProof="0" dirty="0" smtClean="0">
-                          <a:ln>
-                            <a:noFill/>
-                          </a:ln>
-                          <a:solidFill>
-                            <a:schemeClr val="tx1">
-                              <a:lumMod val="75000"/>
-                              <a:lumOff val="25000"/>
-                            </a:schemeClr>
-                          </a:solidFill>
-                          <a:effectLst/>
-                          <a:uLnTx/>
-                          <a:uFillTx/>
-                          <a:latin typeface="+mn-lt"/>
-                          <a:ea typeface="+mn-ea"/>
-                          <a:cs typeface="+mn-cs"/>
-                        </a:rPr>
-                        <a:t>CONTENTS</a:t>
-                      </a:r>
                       <a:endParaRPr lang="ko-KR" altLang="en-US" sz="1100" dirty="0">
                         <a:solidFill>
                           <a:schemeClr val="tx1">
@@ -6164,26 +6144,6 @@
                     <a:lstStyle/>
                     <a:p>
                       <a:pPr algn="ctr" latinLnBrk="1"/>
-                      <a:r>
-                        <a:rPr kumimoji="0" lang="en-US" altLang="ko-KR" sz="1200" b="1" i="0" u="none" strike="noStrike" kern="1200" cap="none" spc="0" normalizeH="0" baseline="0" noProof="0" dirty="0" smtClean="0">
-                          <a:ln>
-                            <a:noFill/>
-                          </a:ln>
-                          <a:solidFill>
-                            <a:schemeClr val="tx1">
-                              <a:lumMod val="75000"/>
-                              <a:lumOff val="25000"/>
-                            </a:schemeClr>
-                          </a:solidFill>
-                          <a:effectLst/>
-                          <a:uLnTx/>
-                          <a:uFillTx/>
-                          <a:latin typeface="+mn-lt"/>
-                          <a:ea typeface="+mn-ea"/>
-                          <a:cs typeface="+mn-cs"/>
-                        </a:rPr>
-                        <a:t>CONTENTS</a:t>
-                      </a:r>
                       <a:endParaRPr lang="ko-KR" altLang="en-US" sz="1100" dirty="0">
                         <a:solidFill>
                           <a:schemeClr val="tx1">
@@ -6244,26 +6204,6 @@
                     <a:lstStyle/>
                     <a:p>
                       <a:pPr algn="ctr" latinLnBrk="1"/>
-                      <a:r>
-                        <a:rPr kumimoji="0" lang="en-US" altLang="ko-KR" sz="1200" b="1" i="0" u="none" strike="noStrike" kern="1200" cap="none" spc="0" normalizeH="0" baseline="0" noProof="0" dirty="0" smtClean="0">
-                          <a:ln>
-                            <a:noFill/>
-                          </a:ln>
-                          <a:solidFill>
-                            <a:schemeClr val="tx1">
-                              <a:lumMod val="75000"/>
-                              <a:lumOff val="25000"/>
-                            </a:schemeClr>
-                          </a:solidFill>
-                          <a:effectLst/>
-                          <a:uLnTx/>
-                          <a:uFillTx/>
-                          <a:latin typeface="+mn-lt"/>
-                          <a:ea typeface="+mn-ea"/>
-                          <a:cs typeface="+mn-cs"/>
-                        </a:rPr>
-                        <a:t>CONTENTS</a:t>
-                      </a:r>
                       <a:endParaRPr lang="ko-KR" altLang="en-US" sz="1100" dirty="0">
                         <a:solidFill>
                           <a:schemeClr val="tx1">
@@ -6324,26 +6264,6 @@
                     <a:lstStyle/>
                     <a:p>
                       <a:pPr algn="ctr" latinLnBrk="1"/>
-                      <a:r>
-                        <a:rPr kumimoji="0" lang="en-US" altLang="ko-KR" sz="1200" b="1" i="0" u="none" strike="noStrike" kern="1200" cap="none" spc="0" normalizeH="0" baseline="0" noProof="0" dirty="0" smtClean="0">
-                          <a:ln>
-                            <a:noFill/>
-                          </a:ln>
-                          <a:solidFill>
-                            <a:schemeClr val="tx1">
-                              <a:lumMod val="75000"/>
-                              <a:lumOff val="25000"/>
-                            </a:schemeClr>
-                          </a:solidFill>
-                          <a:effectLst/>
-                          <a:uLnTx/>
-                          <a:uFillTx/>
-                          <a:latin typeface="+mn-lt"/>
-                          <a:ea typeface="+mn-ea"/>
-                          <a:cs typeface="+mn-cs"/>
-                        </a:rPr>
-                        <a:t>CONTENTS</a:t>
-                      </a:r>
                       <a:endParaRPr lang="ko-KR" altLang="en-US" sz="1100" dirty="0">
                         <a:solidFill>
                           <a:schemeClr val="tx1">
@@ -6404,26 +6324,6 @@
                     <a:lstStyle/>
                     <a:p>
                       <a:pPr algn="ctr" latinLnBrk="1"/>
-                      <a:r>
-                        <a:rPr kumimoji="0" lang="en-US" altLang="ko-KR" sz="1200" b="1" i="0" u="none" strike="noStrike" kern="1200" cap="none" spc="0" normalizeH="0" baseline="0" noProof="0" dirty="0" smtClean="0">
-                          <a:ln>
-                            <a:noFill/>
-                          </a:ln>
-                          <a:solidFill>
-                            <a:schemeClr val="tx1">
-                              <a:lumMod val="75000"/>
-                              <a:lumOff val="25000"/>
-                            </a:schemeClr>
-                          </a:solidFill>
-                          <a:effectLst/>
-                          <a:uLnTx/>
-                          <a:uFillTx/>
-                          <a:latin typeface="+mn-lt"/>
-                          <a:ea typeface="+mn-ea"/>
-                          <a:cs typeface="+mn-cs"/>
-                        </a:rPr>
-                        <a:t>CONTENTS</a:t>
-                      </a:r>
                       <a:endParaRPr lang="ko-KR" altLang="en-US" sz="1100" dirty="0">
                         <a:solidFill>
                           <a:schemeClr val="tx1">
@@ -6484,26 +6384,6 @@
                     <a:lstStyle/>
                     <a:p>
                       <a:pPr algn="ctr" latinLnBrk="1"/>
-                      <a:r>
-                        <a:rPr kumimoji="0" lang="en-US" altLang="ko-KR" sz="1200" b="1" i="0" u="none" strike="noStrike" kern="1200" cap="none" spc="0" normalizeH="0" baseline="0" noProof="0" dirty="0" smtClean="0">
-                          <a:ln>
-                            <a:noFill/>
-                          </a:ln>
-                          <a:solidFill>
-                            <a:schemeClr val="tx1">
-                              <a:lumMod val="75000"/>
-                              <a:lumOff val="25000"/>
-                            </a:schemeClr>
-                          </a:solidFill>
-                          <a:effectLst/>
-                          <a:uLnTx/>
-                          <a:uFillTx/>
-                          <a:latin typeface="+mn-lt"/>
-                          <a:ea typeface="+mn-ea"/>
-                          <a:cs typeface="+mn-cs"/>
-                        </a:rPr>
-                        <a:t>CONTENTS</a:t>
-                      </a:r>
                       <a:endParaRPr lang="ko-KR" altLang="en-US" sz="1100" dirty="0">
                         <a:solidFill>
                           <a:schemeClr val="tx1">
@@ -6564,26 +6444,6 @@
                     <a:lstStyle/>
                     <a:p>
                       <a:pPr algn="ctr" latinLnBrk="1"/>
-                      <a:r>
-                        <a:rPr kumimoji="0" lang="en-US" altLang="ko-KR" sz="1200" b="1" i="0" u="none" strike="noStrike" kern="1200" cap="none" spc="0" normalizeH="0" baseline="0" noProof="0" dirty="0" smtClean="0">
-                          <a:ln>
-                            <a:noFill/>
-                          </a:ln>
-                          <a:solidFill>
-                            <a:schemeClr val="tx1">
-                              <a:lumMod val="75000"/>
-                              <a:lumOff val="25000"/>
-                            </a:schemeClr>
-                          </a:solidFill>
-                          <a:effectLst/>
-                          <a:uLnTx/>
-                          <a:uFillTx/>
-                          <a:latin typeface="+mn-lt"/>
-                          <a:ea typeface="+mn-ea"/>
-                          <a:cs typeface="+mn-cs"/>
-                        </a:rPr>
-                        <a:t>CONTENTS</a:t>
-                      </a:r>
                       <a:endParaRPr lang="ko-KR" altLang="en-US" sz="1100" dirty="0">
                         <a:solidFill>
                           <a:schemeClr val="tx1">
@@ -6681,7 +6541,7 @@
           <p:cNvPr id="33" name="직사각형 32">
             <a:extLst>
               <a:ext uri="{FF2B5EF4-FFF2-40B4-BE49-F238E27FC236}">
-                <a16:creationId xmlns:lc="http://schemas.openxmlformats.org/drawingml/2006/lockedCanvas" xmlns:a16="http://schemas.microsoft.com/office/drawing/2014/main" xmlns="" id="{AD256F26-1C29-4D70-ADAE-89BD91A74F73}"/>
+                <a16:creationId xmlns="" xmlns:a16="http://schemas.microsoft.com/office/drawing/2014/main" xmlns:lc="http://schemas.openxmlformats.org/drawingml/2006/lockedCanvas" id="{AD256F26-1C29-4D70-ADAE-89BD91A74F73}"/>
               </a:ext>
             </a:extLst>
           </p:cNvPr>
@@ -6926,7 +6786,7 @@
             <p:cNvPr id="51" name="직사각형 50">
               <a:extLst>
                 <a:ext uri="{FF2B5EF4-FFF2-40B4-BE49-F238E27FC236}">
-                  <a16:creationId xmlns="" xmlns:a16="http://schemas.microsoft.com/office/drawing/2014/main" id="{3FA00699-5178-465A-9F3F-130CF1431F70}"/>
+                  <a16:creationId xmlns:a16="http://schemas.microsoft.com/office/drawing/2014/main" xmlns="" id="{3FA00699-5178-465A-9F3F-130CF1431F70}"/>
                 </a:ext>
               </a:extLst>
             </p:cNvPr>
@@ -7041,7 +6901,7 @@
             <p:cNvPr id="58" name="직사각형 57">
               <a:extLst>
                 <a:ext uri="{FF2B5EF4-FFF2-40B4-BE49-F238E27FC236}">
-                  <a16:creationId xmlns="" xmlns:a16="http://schemas.microsoft.com/office/drawing/2014/main" id="{3FA00699-5178-465A-9F3F-130CF1431F70}"/>
+                  <a16:creationId xmlns:a16="http://schemas.microsoft.com/office/drawing/2014/main" xmlns="" id="{3FA00699-5178-465A-9F3F-130CF1431F70}"/>
                 </a:ext>
               </a:extLst>
             </p:cNvPr>
@@ -7156,7 +7016,7 @@
             <p:cNvPr id="62" name="직사각형 61">
               <a:extLst>
                 <a:ext uri="{FF2B5EF4-FFF2-40B4-BE49-F238E27FC236}">
-                  <a16:creationId xmlns="" xmlns:a16="http://schemas.microsoft.com/office/drawing/2014/main" id="{3FA00699-5178-465A-9F3F-130CF1431F70}"/>
+                  <a16:creationId xmlns:a16="http://schemas.microsoft.com/office/drawing/2014/main" xmlns="" id="{3FA00699-5178-465A-9F3F-130CF1431F70}"/>
                 </a:ext>
               </a:extLst>
             </p:cNvPr>
@@ -7209,7 +7069,7 @@
           <p:cNvPr id="63" name="직사각형 62">
             <a:extLst>
               <a:ext uri="{FF2B5EF4-FFF2-40B4-BE49-F238E27FC236}">
-                <a16:creationId xmlns="" xmlns:a16="http://schemas.microsoft.com/office/drawing/2014/main" id="{3FA00699-5178-465A-9F3F-130CF1431F70}"/>
+                <a16:creationId xmlns:a16="http://schemas.microsoft.com/office/drawing/2014/main" xmlns="" id="{3FA00699-5178-465A-9F3F-130CF1431F70}"/>
               </a:ext>
             </a:extLst>
           </p:cNvPr>
@@ -7261,7 +7121,7 @@
           <p:cNvPr id="64" name="직사각형 63">
             <a:extLst>
               <a:ext uri="{FF2B5EF4-FFF2-40B4-BE49-F238E27FC236}">
-                <a16:creationId xmlns="" xmlns:a16="http://schemas.microsoft.com/office/drawing/2014/main" id="{3FA00699-5178-465A-9F3F-130CF1431F70}"/>
+                <a16:creationId xmlns:a16="http://schemas.microsoft.com/office/drawing/2014/main" xmlns="" id="{3FA00699-5178-465A-9F3F-130CF1431F70}"/>
               </a:ext>
             </a:extLst>
           </p:cNvPr>
@@ -7435,7 +7295,7 @@
           <p:cNvPr id="66" name="직사각형 65">
             <a:extLst>
               <a:ext uri="{FF2B5EF4-FFF2-40B4-BE49-F238E27FC236}">
-                <a16:creationId xmlns="" xmlns:a16="http://schemas.microsoft.com/office/drawing/2014/main" id="{3FA00699-5178-465A-9F3F-130CF1431F70}"/>
+                <a16:creationId xmlns:a16="http://schemas.microsoft.com/office/drawing/2014/main" xmlns="" id="{3FA00699-5178-465A-9F3F-130CF1431F70}"/>
               </a:ext>
             </a:extLst>
           </p:cNvPr>
@@ -7567,7 +7427,7 @@
           <p:cNvPr id="67" name="직사각형 66">
             <a:extLst>
               <a:ext uri="{FF2B5EF4-FFF2-40B4-BE49-F238E27FC236}">
-                <a16:creationId xmlns="" xmlns:a16="http://schemas.microsoft.com/office/drawing/2014/main" id="{3FA00699-5178-465A-9F3F-130CF1431F70}"/>
+                <a16:creationId xmlns:a16="http://schemas.microsoft.com/office/drawing/2014/main" xmlns="" id="{3FA00699-5178-465A-9F3F-130CF1431F70}"/>
               </a:ext>
             </a:extLst>
           </p:cNvPr>
@@ -8310,7 +8170,7 @@
           <p:nvPr>
             <p:extLst>
               <p:ext uri="{D42A27DB-BD31-4B8C-83A1-F6EECF244321}">
-                <p14:modId xmlns:p14="http://schemas.microsoft.com/office/powerpoint/2010/main" val="3471035813"/>
+                <p14:modId xmlns:p14="http://schemas.microsoft.com/office/powerpoint/2010/main" val="4027925154"/>
               </p:ext>
             </p:extLst>
           </p:nvPr>
@@ -8424,26 +8284,6 @@
                     <a:lstStyle/>
                     <a:p>
                       <a:pPr algn="ctr" latinLnBrk="1"/>
-                      <a:r>
-                        <a:rPr kumimoji="0" lang="en-US" altLang="ko-KR" sz="1200" b="1" i="0" u="none" strike="noStrike" kern="1200" cap="none" spc="0" normalizeH="0" baseline="0" noProof="0" dirty="0" smtClean="0">
-                          <a:ln>
-                            <a:noFill/>
-                          </a:ln>
-                          <a:solidFill>
-                            <a:schemeClr val="tx1">
-                              <a:lumMod val="75000"/>
-                              <a:lumOff val="25000"/>
-                            </a:schemeClr>
-                          </a:solidFill>
-                          <a:effectLst/>
-                          <a:uLnTx/>
-                          <a:uFillTx/>
-                          <a:latin typeface="+mn-lt"/>
-                          <a:ea typeface="+mn-ea"/>
-                          <a:cs typeface="+mn-cs"/>
-                        </a:rPr>
-                        <a:t>CONTENTS</a:t>
-                      </a:r>
                       <a:endParaRPr lang="ko-KR" altLang="en-US" sz="1100" dirty="0">
                         <a:solidFill>
                           <a:schemeClr val="tx1">
@@ -8504,26 +8344,6 @@
                     <a:lstStyle/>
                     <a:p>
                       <a:pPr algn="ctr" latinLnBrk="1"/>
-                      <a:r>
-                        <a:rPr kumimoji="0" lang="en-US" altLang="ko-KR" sz="1200" b="1" i="0" u="none" strike="noStrike" kern="1200" cap="none" spc="0" normalizeH="0" baseline="0" noProof="0" dirty="0" smtClean="0">
-                          <a:ln>
-                            <a:noFill/>
-                          </a:ln>
-                          <a:solidFill>
-                            <a:schemeClr val="tx1">
-                              <a:lumMod val="75000"/>
-                              <a:lumOff val="25000"/>
-                            </a:schemeClr>
-                          </a:solidFill>
-                          <a:effectLst/>
-                          <a:uLnTx/>
-                          <a:uFillTx/>
-                          <a:latin typeface="+mn-lt"/>
-                          <a:ea typeface="+mn-ea"/>
-                          <a:cs typeface="+mn-cs"/>
-                        </a:rPr>
-                        <a:t>CONTENTS</a:t>
-                      </a:r>
                       <a:endParaRPr lang="ko-KR" altLang="en-US" sz="1100" dirty="0">
                         <a:solidFill>
                           <a:schemeClr val="tx1">
@@ -8584,26 +8404,6 @@
                     <a:lstStyle/>
                     <a:p>
                       <a:pPr algn="ctr" latinLnBrk="1"/>
-                      <a:r>
-                        <a:rPr kumimoji="0" lang="en-US" altLang="ko-KR" sz="1200" b="1" i="0" u="none" strike="noStrike" kern="1200" cap="none" spc="0" normalizeH="0" baseline="0" noProof="0" dirty="0" smtClean="0">
-                          <a:ln>
-                            <a:noFill/>
-                          </a:ln>
-                          <a:solidFill>
-                            <a:schemeClr val="tx1">
-                              <a:lumMod val="75000"/>
-                              <a:lumOff val="25000"/>
-                            </a:schemeClr>
-                          </a:solidFill>
-                          <a:effectLst/>
-                          <a:uLnTx/>
-                          <a:uFillTx/>
-                          <a:latin typeface="+mn-lt"/>
-                          <a:ea typeface="+mn-ea"/>
-                          <a:cs typeface="+mn-cs"/>
-                        </a:rPr>
-                        <a:t>CONTENTS</a:t>
-                      </a:r>
                       <a:endParaRPr lang="ko-KR" altLang="en-US" sz="1100" dirty="0">
                         <a:solidFill>
                           <a:schemeClr val="tx1">
@@ -8664,26 +8464,6 @@
                     <a:lstStyle/>
                     <a:p>
                       <a:pPr algn="ctr" latinLnBrk="1"/>
-                      <a:r>
-                        <a:rPr kumimoji="0" lang="en-US" altLang="ko-KR" sz="1200" b="1" i="0" u="none" strike="noStrike" kern="1200" cap="none" spc="0" normalizeH="0" baseline="0" noProof="0" dirty="0" smtClean="0">
-                          <a:ln>
-                            <a:noFill/>
-                          </a:ln>
-                          <a:solidFill>
-                            <a:schemeClr val="tx1">
-                              <a:lumMod val="75000"/>
-                              <a:lumOff val="25000"/>
-                            </a:schemeClr>
-                          </a:solidFill>
-                          <a:effectLst/>
-                          <a:uLnTx/>
-                          <a:uFillTx/>
-                          <a:latin typeface="+mn-lt"/>
-                          <a:ea typeface="+mn-ea"/>
-                          <a:cs typeface="+mn-cs"/>
-                        </a:rPr>
-                        <a:t>CONTENTS</a:t>
-                      </a:r>
                       <a:endParaRPr lang="ko-KR" altLang="en-US" sz="1100" dirty="0">
                         <a:solidFill>
                           <a:schemeClr val="tx1">
@@ -8744,26 +8524,6 @@
                     <a:lstStyle/>
                     <a:p>
                       <a:pPr algn="ctr" latinLnBrk="1"/>
-                      <a:r>
-                        <a:rPr kumimoji="0" lang="en-US" altLang="ko-KR" sz="1200" b="1" i="0" u="none" strike="noStrike" kern="1200" cap="none" spc="0" normalizeH="0" baseline="0" noProof="0" dirty="0" smtClean="0">
-                          <a:ln>
-                            <a:noFill/>
-                          </a:ln>
-                          <a:solidFill>
-                            <a:schemeClr val="tx1">
-                              <a:lumMod val="75000"/>
-                              <a:lumOff val="25000"/>
-                            </a:schemeClr>
-                          </a:solidFill>
-                          <a:effectLst/>
-                          <a:uLnTx/>
-                          <a:uFillTx/>
-                          <a:latin typeface="+mn-lt"/>
-                          <a:ea typeface="+mn-ea"/>
-                          <a:cs typeface="+mn-cs"/>
-                        </a:rPr>
-                        <a:t>CONTENTS</a:t>
-                      </a:r>
                       <a:endParaRPr lang="ko-KR" altLang="en-US" sz="1100" dirty="0">
                         <a:solidFill>
                           <a:schemeClr val="tx1">
@@ -8824,26 +8584,6 @@
                     <a:lstStyle/>
                     <a:p>
                       <a:pPr algn="ctr" latinLnBrk="1"/>
-                      <a:r>
-                        <a:rPr kumimoji="0" lang="en-US" altLang="ko-KR" sz="1200" b="1" i="0" u="none" strike="noStrike" kern="1200" cap="none" spc="0" normalizeH="0" baseline="0" noProof="0" dirty="0" smtClean="0">
-                          <a:ln>
-                            <a:noFill/>
-                          </a:ln>
-                          <a:solidFill>
-                            <a:schemeClr val="tx1">
-                              <a:lumMod val="75000"/>
-                              <a:lumOff val="25000"/>
-                            </a:schemeClr>
-                          </a:solidFill>
-                          <a:effectLst/>
-                          <a:uLnTx/>
-                          <a:uFillTx/>
-                          <a:latin typeface="+mn-lt"/>
-                          <a:ea typeface="+mn-ea"/>
-                          <a:cs typeface="+mn-cs"/>
-                        </a:rPr>
-                        <a:t>CONTENTS</a:t>
-                      </a:r>
                       <a:endParaRPr lang="ko-KR" altLang="en-US" sz="1100" dirty="0">
                         <a:solidFill>
                           <a:schemeClr val="tx1">
@@ -8904,26 +8644,6 @@
                     <a:lstStyle/>
                     <a:p>
                       <a:pPr algn="ctr" latinLnBrk="1"/>
-                      <a:r>
-                        <a:rPr kumimoji="0" lang="en-US" altLang="ko-KR" sz="1200" b="1" i="0" u="none" strike="noStrike" kern="1200" cap="none" spc="0" normalizeH="0" baseline="0" noProof="0" dirty="0" smtClean="0">
-                          <a:ln>
-                            <a:noFill/>
-                          </a:ln>
-                          <a:solidFill>
-                            <a:schemeClr val="tx1">
-                              <a:lumMod val="75000"/>
-                              <a:lumOff val="25000"/>
-                            </a:schemeClr>
-                          </a:solidFill>
-                          <a:effectLst/>
-                          <a:uLnTx/>
-                          <a:uFillTx/>
-                          <a:latin typeface="+mn-lt"/>
-                          <a:ea typeface="+mn-ea"/>
-                          <a:cs typeface="+mn-cs"/>
-                        </a:rPr>
-                        <a:t>CONTENTS</a:t>
-                      </a:r>
                       <a:endParaRPr lang="ko-KR" altLang="en-US" sz="1100" dirty="0">
                         <a:solidFill>
                           <a:schemeClr val="tx1">
@@ -10898,7 +10618,7 @@
           <p:nvPr>
             <p:extLst>
               <p:ext uri="{D42A27DB-BD31-4B8C-83A1-F6EECF244321}">
-                <p14:modId xmlns:p14="http://schemas.microsoft.com/office/powerpoint/2010/main" val="275048583"/>
+                <p14:modId xmlns:p14="http://schemas.microsoft.com/office/powerpoint/2010/main" val="2474895151"/>
               </p:ext>
             </p:extLst>
           </p:nvPr>
@@ -11004,26 +10724,6 @@
                     <a:lstStyle/>
                     <a:p>
                       <a:pPr algn="ctr" latinLnBrk="1"/>
-                      <a:r>
-                        <a:rPr kumimoji="0" lang="en-US" altLang="ko-KR" sz="1200" b="1" i="0" u="none" strike="noStrike" kern="1200" cap="none" spc="0" normalizeH="0" baseline="0" noProof="0" dirty="0" smtClean="0">
-                          <a:ln>
-                            <a:noFill/>
-                          </a:ln>
-                          <a:solidFill>
-                            <a:schemeClr val="tx1">
-                              <a:lumMod val="75000"/>
-                              <a:lumOff val="25000"/>
-                            </a:schemeClr>
-                          </a:solidFill>
-                          <a:effectLst/>
-                          <a:uLnTx/>
-                          <a:uFillTx/>
-                          <a:latin typeface="+mn-lt"/>
-                          <a:ea typeface="+mn-ea"/>
-                          <a:cs typeface="+mn-cs"/>
-                        </a:rPr>
-                        <a:t>CONTENTS</a:t>
-                      </a:r>
                       <a:endParaRPr lang="ko-KR" altLang="en-US" sz="1100" dirty="0">
                         <a:solidFill>
                           <a:schemeClr val="tx1">
@@ -11084,26 +10784,6 @@
                     <a:lstStyle/>
                     <a:p>
                       <a:pPr algn="ctr" latinLnBrk="1"/>
-                      <a:r>
-                        <a:rPr kumimoji="0" lang="en-US" altLang="ko-KR" sz="1200" b="1" i="0" u="none" strike="noStrike" kern="1200" cap="none" spc="0" normalizeH="0" baseline="0" noProof="0" dirty="0" smtClean="0">
-                          <a:ln>
-                            <a:noFill/>
-                          </a:ln>
-                          <a:solidFill>
-                            <a:schemeClr val="tx1">
-                              <a:lumMod val="75000"/>
-                              <a:lumOff val="25000"/>
-                            </a:schemeClr>
-                          </a:solidFill>
-                          <a:effectLst/>
-                          <a:uLnTx/>
-                          <a:uFillTx/>
-                          <a:latin typeface="+mn-lt"/>
-                          <a:ea typeface="+mn-ea"/>
-                          <a:cs typeface="+mn-cs"/>
-                        </a:rPr>
-                        <a:t>CONTENTS</a:t>
-                      </a:r>
                       <a:endParaRPr lang="ko-KR" altLang="en-US" sz="1100" dirty="0">
                         <a:solidFill>
                           <a:schemeClr val="tx1">
@@ -11164,26 +10844,6 @@
                     <a:lstStyle/>
                     <a:p>
                       <a:pPr algn="ctr" latinLnBrk="1"/>
-                      <a:r>
-                        <a:rPr kumimoji="0" lang="en-US" altLang="ko-KR" sz="1200" b="1" i="0" u="none" strike="noStrike" kern="1200" cap="none" spc="0" normalizeH="0" baseline="0" noProof="0" dirty="0" smtClean="0">
-                          <a:ln>
-                            <a:noFill/>
-                          </a:ln>
-                          <a:solidFill>
-                            <a:schemeClr val="tx1">
-                              <a:lumMod val="75000"/>
-                              <a:lumOff val="25000"/>
-                            </a:schemeClr>
-                          </a:solidFill>
-                          <a:effectLst/>
-                          <a:uLnTx/>
-                          <a:uFillTx/>
-                          <a:latin typeface="+mn-lt"/>
-                          <a:ea typeface="+mn-ea"/>
-                          <a:cs typeface="+mn-cs"/>
-                        </a:rPr>
-                        <a:t>CONTENTS</a:t>
-                      </a:r>
                       <a:endParaRPr lang="ko-KR" altLang="en-US" sz="1100" dirty="0">
                         <a:solidFill>
                           <a:schemeClr val="tx1">
@@ -11244,26 +10904,6 @@
                     <a:lstStyle/>
                     <a:p>
                       <a:pPr algn="ctr" latinLnBrk="1"/>
-                      <a:r>
-                        <a:rPr kumimoji="0" lang="en-US" altLang="ko-KR" sz="1200" b="1" i="0" u="none" strike="noStrike" kern="1200" cap="none" spc="0" normalizeH="0" baseline="0" noProof="0" dirty="0" smtClean="0">
-                          <a:ln>
-                            <a:noFill/>
-                          </a:ln>
-                          <a:solidFill>
-                            <a:schemeClr val="tx1">
-                              <a:lumMod val="75000"/>
-                              <a:lumOff val="25000"/>
-                            </a:schemeClr>
-                          </a:solidFill>
-                          <a:effectLst/>
-                          <a:uLnTx/>
-                          <a:uFillTx/>
-                          <a:latin typeface="+mn-lt"/>
-                          <a:ea typeface="+mn-ea"/>
-                          <a:cs typeface="+mn-cs"/>
-                        </a:rPr>
-                        <a:t>CONTENTS</a:t>
-                      </a:r>
                       <a:endParaRPr lang="ko-KR" altLang="en-US" sz="1100" dirty="0">
                         <a:solidFill>
                           <a:schemeClr val="tx1">
@@ -11324,26 +10964,6 @@
                     <a:lstStyle/>
                     <a:p>
                       <a:pPr algn="ctr" latinLnBrk="1"/>
-                      <a:r>
-                        <a:rPr kumimoji="0" lang="en-US" altLang="ko-KR" sz="1200" b="1" i="0" u="none" strike="noStrike" kern="1200" cap="none" spc="0" normalizeH="0" baseline="0" noProof="0" dirty="0" smtClean="0">
-                          <a:ln>
-                            <a:noFill/>
-                          </a:ln>
-                          <a:solidFill>
-                            <a:schemeClr val="tx1">
-                              <a:lumMod val="75000"/>
-                              <a:lumOff val="25000"/>
-                            </a:schemeClr>
-                          </a:solidFill>
-                          <a:effectLst/>
-                          <a:uLnTx/>
-                          <a:uFillTx/>
-                          <a:latin typeface="+mn-lt"/>
-                          <a:ea typeface="+mn-ea"/>
-                          <a:cs typeface="+mn-cs"/>
-                        </a:rPr>
-                        <a:t>CONTENTS</a:t>
-                      </a:r>
                       <a:endParaRPr lang="ko-KR" altLang="en-US" sz="1100" dirty="0">
                         <a:solidFill>
                           <a:schemeClr val="tx1">
@@ -11404,26 +11024,6 @@
                     <a:lstStyle/>
                     <a:p>
                       <a:pPr algn="ctr" latinLnBrk="1"/>
-                      <a:r>
-                        <a:rPr kumimoji="0" lang="en-US" altLang="ko-KR" sz="1200" b="1" i="0" u="none" strike="noStrike" kern="1200" cap="none" spc="0" normalizeH="0" baseline="0" noProof="0" dirty="0" smtClean="0">
-                          <a:ln>
-                            <a:noFill/>
-                          </a:ln>
-                          <a:solidFill>
-                            <a:schemeClr val="tx1">
-                              <a:lumMod val="75000"/>
-                              <a:lumOff val="25000"/>
-                            </a:schemeClr>
-                          </a:solidFill>
-                          <a:effectLst/>
-                          <a:uLnTx/>
-                          <a:uFillTx/>
-                          <a:latin typeface="+mn-lt"/>
-                          <a:ea typeface="+mn-ea"/>
-                          <a:cs typeface="+mn-cs"/>
-                        </a:rPr>
-                        <a:t>CONTENTS</a:t>
-                      </a:r>
                       <a:endParaRPr lang="ko-KR" altLang="en-US" sz="1100" dirty="0">
                         <a:solidFill>
                           <a:schemeClr val="tx1">
@@ -11484,26 +11084,6 @@
                     <a:lstStyle/>
                     <a:p>
                       <a:pPr algn="ctr" latinLnBrk="1"/>
-                      <a:r>
-                        <a:rPr kumimoji="0" lang="en-US" altLang="ko-KR" sz="1200" b="1" i="0" u="none" strike="noStrike" kern="1200" cap="none" spc="0" normalizeH="0" baseline="0" noProof="0" dirty="0" smtClean="0">
-                          <a:ln>
-                            <a:noFill/>
-                          </a:ln>
-                          <a:solidFill>
-                            <a:schemeClr val="tx1">
-                              <a:lumMod val="75000"/>
-                              <a:lumOff val="25000"/>
-                            </a:schemeClr>
-                          </a:solidFill>
-                          <a:effectLst/>
-                          <a:uLnTx/>
-                          <a:uFillTx/>
-                          <a:latin typeface="+mn-lt"/>
-                          <a:ea typeface="+mn-ea"/>
-                          <a:cs typeface="+mn-cs"/>
-                        </a:rPr>
-                        <a:t>CONTENTS</a:t>
-                      </a:r>
                       <a:endParaRPr lang="ko-KR" altLang="en-US" sz="1100" dirty="0">
                         <a:solidFill>
                           <a:schemeClr val="tx1">
@@ -11958,7 +11538,7 @@
           <p:cNvPr id="42" name="직사각형 41">
             <a:extLst>
               <a:ext uri="{FF2B5EF4-FFF2-40B4-BE49-F238E27FC236}">
-                <a16:creationId xmlns="" xmlns:a16="http://schemas.microsoft.com/office/drawing/2014/main" id="{3FA00699-5178-465A-9F3F-130CF1431F70}"/>
+                <a16:creationId xmlns:a16="http://schemas.microsoft.com/office/drawing/2014/main" xmlns="" id="{3FA00699-5178-465A-9F3F-130CF1431F70}"/>
               </a:ext>
             </a:extLst>
           </p:cNvPr>
@@ -12019,7 +11599,7 @@
           <p:cNvPr id="45" name="직사각형 44">
             <a:extLst>
               <a:ext uri="{FF2B5EF4-FFF2-40B4-BE49-F238E27FC236}">
-                <a16:creationId xmlns="" xmlns:a16="http://schemas.microsoft.com/office/drawing/2014/main" id="{3FA00699-5178-465A-9F3F-130CF1431F70}"/>
+                <a16:creationId xmlns:a16="http://schemas.microsoft.com/office/drawing/2014/main" xmlns="" id="{3FA00699-5178-465A-9F3F-130CF1431F70}"/>
               </a:ext>
             </a:extLst>
           </p:cNvPr>
@@ -12072,7 +11652,7 @@
           <p:cNvPr id="46" name="직사각형 45">
             <a:extLst>
               <a:ext uri="{FF2B5EF4-FFF2-40B4-BE49-F238E27FC236}">
-                <a16:creationId xmlns="" xmlns:a16="http://schemas.microsoft.com/office/drawing/2014/main" id="{3FA00699-5178-465A-9F3F-130CF1431F70}"/>
+                <a16:creationId xmlns:a16="http://schemas.microsoft.com/office/drawing/2014/main" xmlns="" id="{3FA00699-5178-465A-9F3F-130CF1431F70}"/>
               </a:ext>
             </a:extLst>
           </p:cNvPr>
@@ -12143,7 +11723,7 @@
           <p:cNvPr id="47" name="직사각형 46">
             <a:extLst>
               <a:ext uri="{FF2B5EF4-FFF2-40B4-BE49-F238E27FC236}">
-                <a16:creationId xmlns="" xmlns:a16="http://schemas.microsoft.com/office/drawing/2014/main" id="{3FA00699-5178-465A-9F3F-130CF1431F70}"/>
+                <a16:creationId xmlns:a16="http://schemas.microsoft.com/office/drawing/2014/main" xmlns="" id="{3FA00699-5178-465A-9F3F-130CF1431F70}"/>
               </a:ext>
             </a:extLst>
           </p:cNvPr>
@@ -12195,7 +11775,7 @@
           <p:cNvPr id="48" name="직사각형 47">
             <a:extLst>
               <a:ext uri="{FF2B5EF4-FFF2-40B4-BE49-F238E27FC236}">
-                <a16:creationId xmlns="" xmlns:a16="http://schemas.microsoft.com/office/drawing/2014/main" id="{3FA00699-5178-465A-9F3F-130CF1431F70}"/>
+                <a16:creationId xmlns:a16="http://schemas.microsoft.com/office/drawing/2014/main" xmlns="" id="{3FA00699-5178-465A-9F3F-130CF1431F70}"/>
               </a:ext>
             </a:extLst>
           </p:cNvPr>
@@ -12248,7 +11828,7 @@
           <p:cNvPr id="49" name="직사각형 48">
             <a:extLst>
               <a:ext uri="{FF2B5EF4-FFF2-40B4-BE49-F238E27FC236}">
-                <a16:creationId xmlns="" xmlns:a16="http://schemas.microsoft.com/office/drawing/2014/main" id="{3FA00699-5178-465A-9F3F-130CF1431F70}"/>
+                <a16:creationId xmlns:a16="http://schemas.microsoft.com/office/drawing/2014/main" xmlns="" id="{3FA00699-5178-465A-9F3F-130CF1431F70}"/>
               </a:ext>
             </a:extLst>
           </p:cNvPr>
@@ -12310,7 +11890,7 @@
           <p:cNvPr id="50" name="직사각형 49">
             <a:extLst>
               <a:ext uri="{FF2B5EF4-FFF2-40B4-BE49-F238E27FC236}">
-                <a16:creationId xmlns="" xmlns:a16="http://schemas.microsoft.com/office/drawing/2014/main" id="{3FA00699-5178-465A-9F3F-130CF1431F70}"/>
+                <a16:creationId xmlns:a16="http://schemas.microsoft.com/office/drawing/2014/main" xmlns="" id="{3FA00699-5178-465A-9F3F-130CF1431F70}"/>
               </a:ext>
             </a:extLst>
           </p:cNvPr>
@@ -12368,7 +11948,7 @@
           <p:cNvPr id="51" name="직사각형 50">
             <a:extLst>
               <a:ext uri="{FF2B5EF4-FFF2-40B4-BE49-F238E27FC236}">
-                <a16:creationId xmlns="" xmlns:a16="http://schemas.microsoft.com/office/drawing/2014/main" id="{3FA00699-5178-465A-9F3F-130CF1431F70}"/>
+                <a16:creationId xmlns:a16="http://schemas.microsoft.com/office/drawing/2014/main" xmlns="" id="{3FA00699-5178-465A-9F3F-130CF1431F70}"/>
               </a:ext>
             </a:extLst>
           </p:cNvPr>
@@ -13003,7 +12583,7 @@
           <p:nvPr>
             <p:extLst>
               <p:ext uri="{D42A27DB-BD31-4B8C-83A1-F6EECF244321}">
-                <p14:modId xmlns:p14="http://schemas.microsoft.com/office/powerpoint/2010/main" val="2965659449"/>
+                <p14:modId xmlns:p14="http://schemas.microsoft.com/office/powerpoint/2010/main" val="4177303745"/>
               </p:ext>
             </p:extLst>
           </p:nvPr>
@@ -13109,26 +12689,6 @@
                     <a:lstStyle/>
                     <a:p>
                       <a:pPr algn="ctr" latinLnBrk="1"/>
-                      <a:r>
-                        <a:rPr kumimoji="0" lang="en-US" altLang="ko-KR" sz="1200" b="1" i="0" u="none" strike="noStrike" kern="1200" cap="none" spc="0" normalizeH="0" baseline="0" noProof="0" dirty="0" smtClean="0">
-                          <a:ln>
-                            <a:noFill/>
-                          </a:ln>
-                          <a:solidFill>
-                            <a:schemeClr val="tx1">
-                              <a:lumMod val="75000"/>
-                              <a:lumOff val="25000"/>
-                            </a:schemeClr>
-                          </a:solidFill>
-                          <a:effectLst/>
-                          <a:uLnTx/>
-                          <a:uFillTx/>
-                          <a:latin typeface="+mn-lt"/>
-                          <a:ea typeface="+mn-ea"/>
-                          <a:cs typeface="+mn-cs"/>
-                        </a:rPr>
-                        <a:t>CONTENTS</a:t>
-                      </a:r>
                       <a:endParaRPr lang="ko-KR" altLang="en-US" sz="1100" dirty="0">
                         <a:solidFill>
                           <a:schemeClr val="tx1">
@@ -13189,26 +12749,6 @@
                     <a:lstStyle/>
                     <a:p>
                       <a:pPr algn="ctr" latinLnBrk="1"/>
-                      <a:r>
-                        <a:rPr kumimoji="0" lang="en-US" altLang="ko-KR" sz="1200" b="1" i="0" u="none" strike="noStrike" kern="1200" cap="none" spc="0" normalizeH="0" baseline="0" noProof="0" dirty="0" smtClean="0">
-                          <a:ln>
-                            <a:noFill/>
-                          </a:ln>
-                          <a:solidFill>
-                            <a:schemeClr val="tx1">
-                              <a:lumMod val="75000"/>
-                              <a:lumOff val="25000"/>
-                            </a:schemeClr>
-                          </a:solidFill>
-                          <a:effectLst/>
-                          <a:uLnTx/>
-                          <a:uFillTx/>
-                          <a:latin typeface="+mn-lt"/>
-                          <a:ea typeface="+mn-ea"/>
-                          <a:cs typeface="+mn-cs"/>
-                        </a:rPr>
-                        <a:t>CONTENTS</a:t>
-                      </a:r>
                       <a:endParaRPr lang="ko-KR" altLang="en-US" sz="1100" dirty="0">
                         <a:solidFill>
                           <a:schemeClr val="tx1">
@@ -13269,26 +12809,6 @@
                     <a:lstStyle/>
                     <a:p>
                       <a:pPr algn="ctr" latinLnBrk="1"/>
-                      <a:r>
-                        <a:rPr kumimoji="0" lang="en-US" altLang="ko-KR" sz="1200" b="1" i="0" u="none" strike="noStrike" kern="1200" cap="none" spc="0" normalizeH="0" baseline="0" noProof="0" dirty="0" smtClean="0">
-                          <a:ln>
-                            <a:noFill/>
-                          </a:ln>
-                          <a:solidFill>
-                            <a:schemeClr val="tx1">
-                              <a:lumMod val="75000"/>
-                              <a:lumOff val="25000"/>
-                            </a:schemeClr>
-                          </a:solidFill>
-                          <a:effectLst/>
-                          <a:uLnTx/>
-                          <a:uFillTx/>
-                          <a:latin typeface="+mn-lt"/>
-                          <a:ea typeface="+mn-ea"/>
-                          <a:cs typeface="+mn-cs"/>
-                        </a:rPr>
-                        <a:t>CONTENTS</a:t>
-                      </a:r>
                       <a:endParaRPr lang="ko-KR" altLang="en-US" sz="1100" dirty="0">
                         <a:solidFill>
                           <a:schemeClr val="tx1">
@@ -13349,26 +12869,6 @@
                     <a:lstStyle/>
                     <a:p>
                       <a:pPr algn="ctr" latinLnBrk="1"/>
-                      <a:r>
-                        <a:rPr kumimoji="0" lang="en-US" altLang="ko-KR" sz="1200" b="1" i="0" u="none" strike="noStrike" kern="1200" cap="none" spc="0" normalizeH="0" baseline="0" noProof="0" dirty="0" smtClean="0">
-                          <a:ln>
-                            <a:noFill/>
-                          </a:ln>
-                          <a:solidFill>
-                            <a:schemeClr val="tx1">
-                              <a:lumMod val="75000"/>
-                              <a:lumOff val="25000"/>
-                            </a:schemeClr>
-                          </a:solidFill>
-                          <a:effectLst/>
-                          <a:uLnTx/>
-                          <a:uFillTx/>
-                          <a:latin typeface="+mn-lt"/>
-                          <a:ea typeface="+mn-ea"/>
-                          <a:cs typeface="+mn-cs"/>
-                        </a:rPr>
-                        <a:t>CONTENTS</a:t>
-                      </a:r>
                       <a:endParaRPr lang="ko-KR" altLang="en-US" sz="1100" dirty="0">
                         <a:solidFill>
                           <a:schemeClr val="tx1">
@@ -13429,26 +12929,6 @@
                     <a:lstStyle/>
                     <a:p>
                       <a:pPr algn="ctr" latinLnBrk="1"/>
-                      <a:r>
-                        <a:rPr kumimoji="0" lang="en-US" altLang="ko-KR" sz="1200" b="1" i="0" u="none" strike="noStrike" kern="1200" cap="none" spc="0" normalizeH="0" baseline="0" noProof="0" dirty="0" smtClean="0">
-                          <a:ln>
-                            <a:noFill/>
-                          </a:ln>
-                          <a:solidFill>
-                            <a:schemeClr val="tx1">
-                              <a:lumMod val="75000"/>
-                              <a:lumOff val="25000"/>
-                            </a:schemeClr>
-                          </a:solidFill>
-                          <a:effectLst/>
-                          <a:uLnTx/>
-                          <a:uFillTx/>
-                          <a:latin typeface="+mn-lt"/>
-                          <a:ea typeface="+mn-ea"/>
-                          <a:cs typeface="+mn-cs"/>
-                        </a:rPr>
-                        <a:t>CONTENTS</a:t>
-                      </a:r>
                       <a:endParaRPr lang="ko-KR" altLang="en-US" sz="1100" dirty="0">
                         <a:solidFill>
                           <a:schemeClr val="tx1">
@@ -13509,26 +12989,6 @@
                     <a:lstStyle/>
                     <a:p>
                       <a:pPr algn="ctr" latinLnBrk="1"/>
-                      <a:r>
-                        <a:rPr kumimoji="0" lang="en-US" altLang="ko-KR" sz="1200" b="1" i="0" u="none" strike="noStrike" kern="1200" cap="none" spc="0" normalizeH="0" baseline="0" noProof="0" dirty="0" smtClean="0">
-                          <a:ln>
-                            <a:noFill/>
-                          </a:ln>
-                          <a:solidFill>
-                            <a:schemeClr val="tx1">
-                              <a:lumMod val="75000"/>
-                              <a:lumOff val="25000"/>
-                            </a:schemeClr>
-                          </a:solidFill>
-                          <a:effectLst/>
-                          <a:uLnTx/>
-                          <a:uFillTx/>
-                          <a:latin typeface="+mn-lt"/>
-                          <a:ea typeface="+mn-ea"/>
-                          <a:cs typeface="+mn-cs"/>
-                        </a:rPr>
-                        <a:t>CONTENTS</a:t>
-                      </a:r>
                       <a:endParaRPr lang="ko-KR" altLang="en-US" sz="1100" dirty="0">
                         <a:solidFill>
                           <a:schemeClr val="tx1">
@@ -13589,26 +13049,6 @@
                     <a:lstStyle/>
                     <a:p>
                       <a:pPr algn="ctr" latinLnBrk="1"/>
-                      <a:r>
-                        <a:rPr kumimoji="0" lang="en-US" altLang="ko-KR" sz="1200" b="1" i="0" u="none" strike="noStrike" kern="1200" cap="none" spc="0" normalizeH="0" baseline="0" noProof="0" dirty="0" smtClean="0">
-                          <a:ln>
-                            <a:noFill/>
-                          </a:ln>
-                          <a:solidFill>
-                            <a:schemeClr val="tx1">
-                              <a:lumMod val="75000"/>
-                              <a:lumOff val="25000"/>
-                            </a:schemeClr>
-                          </a:solidFill>
-                          <a:effectLst/>
-                          <a:uLnTx/>
-                          <a:uFillTx/>
-                          <a:latin typeface="+mn-lt"/>
-                          <a:ea typeface="+mn-ea"/>
-                          <a:cs typeface="+mn-cs"/>
-                        </a:rPr>
-                        <a:t>CONTENTS</a:t>
-                      </a:r>
                       <a:endParaRPr lang="ko-KR" altLang="en-US" sz="1100" dirty="0">
                         <a:solidFill>
                           <a:schemeClr val="tx1">
@@ -13736,7 +13176,7 @@
           <p:cNvPr id="23" name="이등변 삼각형 22">
             <a:extLst>
               <a:ext uri="{FF2B5EF4-FFF2-40B4-BE49-F238E27FC236}">
-                <a16:creationId xmlns="" xmlns:a16="http://schemas.microsoft.com/office/drawing/2014/main" id="{3B695B43-FCB9-4400-ABA8-A3244DFB6796}"/>
+                <a16:creationId xmlns:a16="http://schemas.microsoft.com/office/drawing/2014/main" xmlns="" id="{3B695B43-FCB9-4400-ABA8-A3244DFB6796}"/>
               </a:ext>
             </a:extLst>
           </p:cNvPr>
@@ -13792,7 +13232,7 @@
           <p:cNvPr id="34" name="직사각형 33">
             <a:extLst>
               <a:ext uri="{FF2B5EF4-FFF2-40B4-BE49-F238E27FC236}">
-                <a16:creationId xmlns="" xmlns:a16="http://schemas.microsoft.com/office/drawing/2014/main" id="{3FA00699-5178-465A-9F3F-130CF1431F70}"/>
+                <a16:creationId xmlns:a16="http://schemas.microsoft.com/office/drawing/2014/main" xmlns="" id="{3FA00699-5178-465A-9F3F-130CF1431F70}"/>
               </a:ext>
             </a:extLst>
           </p:cNvPr>
@@ -13899,7 +13339,7 @@
             <p:cNvPr id="43" name="직사각형 42">
               <a:extLst>
                 <a:ext uri="{FF2B5EF4-FFF2-40B4-BE49-F238E27FC236}">
-                  <a16:creationId xmlns="" xmlns:a16="http://schemas.microsoft.com/office/drawing/2014/main" id="{3FA00699-5178-465A-9F3F-130CF1431F70}"/>
+                  <a16:creationId xmlns:a16="http://schemas.microsoft.com/office/drawing/2014/main" xmlns="" id="{3FA00699-5178-465A-9F3F-130CF1431F70}"/>
                 </a:ext>
               </a:extLst>
             </p:cNvPr>
@@ -14027,7 +13467,7 @@
             <p:cNvPr id="46" name="직사각형 45">
               <a:extLst>
                 <a:ext uri="{FF2B5EF4-FFF2-40B4-BE49-F238E27FC236}">
-                  <a16:creationId xmlns="" xmlns:a16="http://schemas.microsoft.com/office/drawing/2014/main" id="{3FA00699-5178-465A-9F3F-130CF1431F70}"/>
+                  <a16:creationId xmlns:a16="http://schemas.microsoft.com/office/drawing/2014/main" xmlns="" id="{3FA00699-5178-465A-9F3F-130CF1431F70}"/>
                 </a:ext>
               </a:extLst>
             </p:cNvPr>
@@ -14101,7 +13541,7 @@
           <p:cNvPr id="47" name="직사각형 46">
             <a:extLst>
               <a:ext uri="{FF2B5EF4-FFF2-40B4-BE49-F238E27FC236}">
-                <a16:creationId xmlns="" xmlns:a16="http://schemas.microsoft.com/office/drawing/2014/main" id="{3FA00699-5178-465A-9F3F-130CF1431F70}"/>
+                <a16:creationId xmlns:a16="http://schemas.microsoft.com/office/drawing/2014/main" xmlns="" id="{3FA00699-5178-465A-9F3F-130CF1431F70}"/>
               </a:ext>
             </a:extLst>
           </p:cNvPr>
@@ -14163,7 +13603,7 @@
           <p:cNvPr id="48" name="직사각형 47">
             <a:extLst>
               <a:ext uri="{FF2B5EF4-FFF2-40B4-BE49-F238E27FC236}">
-                <a16:creationId xmlns="" xmlns:a16="http://schemas.microsoft.com/office/drawing/2014/main" id="{3FA00699-5178-465A-9F3F-130CF1431F70}"/>
+                <a16:creationId xmlns:a16="http://schemas.microsoft.com/office/drawing/2014/main" xmlns="" id="{3FA00699-5178-465A-9F3F-130CF1431F70}"/>
               </a:ext>
             </a:extLst>
           </p:cNvPr>
@@ -14225,7 +13665,7 @@
           <p:cNvPr id="49" name="직사각형 48">
             <a:extLst>
               <a:ext uri="{FF2B5EF4-FFF2-40B4-BE49-F238E27FC236}">
-                <a16:creationId xmlns="" xmlns:a16="http://schemas.microsoft.com/office/drawing/2014/main" id="{3FA00699-5178-465A-9F3F-130CF1431F70}"/>
+                <a16:creationId xmlns:a16="http://schemas.microsoft.com/office/drawing/2014/main" xmlns="" id="{3FA00699-5178-465A-9F3F-130CF1431F70}"/>
               </a:ext>
             </a:extLst>
           </p:cNvPr>
@@ -14868,7 +14308,7 @@
           <p:nvPr>
             <p:extLst>
               <p:ext uri="{D42A27DB-BD31-4B8C-83A1-F6EECF244321}">
-                <p14:modId xmlns:p14="http://schemas.microsoft.com/office/powerpoint/2010/main" val="2117952170"/>
+                <p14:modId xmlns:p14="http://schemas.microsoft.com/office/powerpoint/2010/main" val="3616155628"/>
               </p:ext>
             </p:extLst>
           </p:nvPr>
@@ -14974,26 +14414,6 @@
                     <a:lstStyle/>
                     <a:p>
                       <a:pPr algn="ctr" latinLnBrk="1"/>
-                      <a:r>
-                        <a:rPr kumimoji="0" lang="en-US" altLang="ko-KR" sz="1200" b="1" i="0" u="none" strike="noStrike" kern="1200" cap="none" spc="0" normalizeH="0" baseline="0" noProof="0" dirty="0" smtClean="0">
-                          <a:ln>
-                            <a:noFill/>
-                          </a:ln>
-                          <a:solidFill>
-                            <a:schemeClr val="tx1">
-                              <a:lumMod val="75000"/>
-                              <a:lumOff val="25000"/>
-                            </a:schemeClr>
-                          </a:solidFill>
-                          <a:effectLst/>
-                          <a:uLnTx/>
-                          <a:uFillTx/>
-                          <a:latin typeface="+mn-lt"/>
-                          <a:ea typeface="+mn-ea"/>
-                          <a:cs typeface="+mn-cs"/>
-                        </a:rPr>
-                        <a:t>CONTENTS</a:t>
-                      </a:r>
                       <a:endParaRPr lang="ko-KR" altLang="en-US" sz="1100" dirty="0">
                         <a:solidFill>
                           <a:schemeClr val="tx1">
@@ -15054,26 +14474,6 @@
                     <a:lstStyle/>
                     <a:p>
                       <a:pPr algn="ctr" latinLnBrk="1"/>
-                      <a:r>
-                        <a:rPr kumimoji="0" lang="en-US" altLang="ko-KR" sz="1200" b="1" i="0" u="none" strike="noStrike" kern="1200" cap="none" spc="0" normalizeH="0" baseline="0" noProof="0" dirty="0" smtClean="0">
-                          <a:ln>
-                            <a:noFill/>
-                          </a:ln>
-                          <a:solidFill>
-                            <a:schemeClr val="tx1">
-                              <a:lumMod val="75000"/>
-                              <a:lumOff val="25000"/>
-                            </a:schemeClr>
-                          </a:solidFill>
-                          <a:effectLst/>
-                          <a:uLnTx/>
-                          <a:uFillTx/>
-                          <a:latin typeface="+mn-lt"/>
-                          <a:ea typeface="+mn-ea"/>
-                          <a:cs typeface="+mn-cs"/>
-                        </a:rPr>
-                        <a:t>CONTENTS</a:t>
-                      </a:r>
                       <a:endParaRPr lang="ko-KR" altLang="en-US" sz="1100" dirty="0">
                         <a:solidFill>
                           <a:schemeClr val="tx1">
@@ -15134,26 +14534,6 @@
                     <a:lstStyle/>
                     <a:p>
                       <a:pPr algn="ctr" latinLnBrk="1"/>
-                      <a:r>
-                        <a:rPr kumimoji="0" lang="en-US" altLang="ko-KR" sz="1200" b="1" i="0" u="none" strike="noStrike" kern="1200" cap="none" spc="0" normalizeH="0" baseline="0" noProof="0" dirty="0" smtClean="0">
-                          <a:ln>
-                            <a:noFill/>
-                          </a:ln>
-                          <a:solidFill>
-                            <a:schemeClr val="tx1">
-                              <a:lumMod val="75000"/>
-                              <a:lumOff val="25000"/>
-                            </a:schemeClr>
-                          </a:solidFill>
-                          <a:effectLst/>
-                          <a:uLnTx/>
-                          <a:uFillTx/>
-                          <a:latin typeface="+mn-lt"/>
-                          <a:ea typeface="+mn-ea"/>
-                          <a:cs typeface="+mn-cs"/>
-                        </a:rPr>
-                        <a:t>CONTENTS</a:t>
-                      </a:r>
                       <a:endParaRPr lang="ko-KR" altLang="en-US" sz="1100" dirty="0">
                         <a:solidFill>
                           <a:schemeClr val="tx1">
@@ -15214,26 +14594,6 @@
                     <a:lstStyle/>
                     <a:p>
                       <a:pPr algn="ctr" latinLnBrk="1"/>
-                      <a:r>
-                        <a:rPr kumimoji="0" lang="en-US" altLang="ko-KR" sz="1200" b="1" i="0" u="none" strike="noStrike" kern="1200" cap="none" spc="0" normalizeH="0" baseline="0" noProof="0" dirty="0" smtClean="0">
-                          <a:ln>
-                            <a:noFill/>
-                          </a:ln>
-                          <a:solidFill>
-                            <a:schemeClr val="tx1">
-                              <a:lumMod val="75000"/>
-                              <a:lumOff val="25000"/>
-                            </a:schemeClr>
-                          </a:solidFill>
-                          <a:effectLst/>
-                          <a:uLnTx/>
-                          <a:uFillTx/>
-                          <a:latin typeface="+mn-lt"/>
-                          <a:ea typeface="+mn-ea"/>
-                          <a:cs typeface="+mn-cs"/>
-                        </a:rPr>
-                        <a:t>CONTENTS</a:t>
-                      </a:r>
                       <a:endParaRPr lang="ko-KR" altLang="en-US" sz="1100" dirty="0">
                         <a:solidFill>
                           <a:schemeClr val="tx1">
@@ -15294,26 +14654,6 @@
                     <a:lstStyle/>
                     <a:p>
                       <a:pPr algn="ctr" latinLnBrk="1"/>
-                      <a:r>
-                        <a:rPr kumimoji="0" lang="en-US" altLang="ko-KR" sz="1200" b="1" i="0" u="none" strike="noStrike" kern="1200" cap="none" spc="0" normalizeH="0" baseline="0" noProof="0" dirty="0" smtClean="0">
-                          <a:ln>
-                            <a:noFill/>
-                          </a:ln>
-                          <a:solidFill>
-                            <a:schemeClr val="tx1">
-                              <a:lumMod val="75000"/>
-                              <a:lumOff val="25000"/>
-                            </a:schemeClr>
-                          </a:solidFill>
-                          <a:effectLst/>
-                          <a:uLnTx/>
-                          <a:uFillTx/>
-                          <a:latin typeface="+mn-lt"/>
-                          <a:ea typeface="+mn-ea"/>
-                          <a:cs typeface="+mn-cs"/>
-                        </a:rPr>
-                        <a:t>CONTENTS</a:t>
-                      </a:r>
                       <a:endParaRPr lang="ko-KR" altLang="en-US" sz="1100" dirty="0">
                         <a:solidFill>
                           <a:schemeClr val="tx1">
@@ -15374,26 +14714,6 @@
                     <a:lstStyle/>
                     <a:p>
                       <a:pPr algn="ctr" latinLnBrk="1"/>
-                      <a:r>
-                        <a:rPr kumimoji="0" lang="en-US" altLang="ko-KR" sz="1200" b="1" i="0" u="none" strike="noStrike" kern="1200" cap="none" spc="0" normalizeH="0" baseline="0" noProof="0" dirty="0" smtClean="0">
-                          <a:ln>
-                            <a:noFill/>
-                          </a:ln>
-                          <a:solidFill>
-                            <a:schemeClr val="tx1">
-                              <a:lumMod val="75000"/>
-                              <a:lumOff val="25000"/>
-                            </a:schemeClr>
-                          </a:solidFill>
-                          <a:effectLst/>
-                          <a:uLnTx/>
-                          <a:uFillTx/>
-                          <a:latin typeface="+mn-lt"/>
-                          <a:ea typeface="+mn-ea"/>
-                          <a:cs typeface="+mn-cs"/>
-                        </a:rPr>
-                        <a:t>CONTENTS</a:t>
-                      </a:r>
                       <a:endParaRPr lang="ko-KR" altLang="en-US" sz="1100" dirty="0">
                         <a:solidFill>
                           <a:schemeClr val="tx1">
@@ -15454,26 +14774,6 @@
                     <a:lstStyle/>
                     <a:p>
                       <a:pPr algn="ctr" latinLnBrk="1"/>
-                      <a:r>
-                        <a:rPr kumimoji="0" lang="en-US" altLang="ko-KR" sz="1200" b="1" i="0" u="none" strike="noStrike" kern="1200" cap="none" spc="0" normalizeH="0" baseline="0" noProof="0" dirty="0" smtClean="0">
-                          <a:ln>
-                            <a:noFill/>
-                          </a:ln>
-                          <a:solidFill>
-                            <a:schemeClr val="tx1">
-                              <a:lumMod val="75000"/>
-                              <a:lumOff val="25000"/>
-                            </a:schemeClr>
-                          </a:solidFill>
-                          <a:effectLst/>
-                          <a:uLnTx/>
-                          <a:uFillTx/>
-                          <a:latin typeface="+mn-lt"/>
-                          <a:ea typeface="+mn-ea"/>
-                          <a:cs typeface="+mn-cs"/>
-                        </a:rPr>
-                        <a:t>CONTENTS</a:t>
-                      </a:r>
                       <a:endParaRPr lang="ko-KR" altLang="en-US" sz="1100" dirty="0">
                         <a:solidFill>
                           <a:schemeClr val="tx1">
@@ -15571,7 +14871,7 @@
           <p:cNvPr id="34" name="직사각형 33">
             <a:extLst>
               <a:ext uri="{FF2B5EF4-FFF2-40B4-BE49-F238E27FC236}">
-                <a16:creationId xmlns="" xmlns:a16="http://schemas.microsoft.com/office/drawing/2014/main" id="{3FA00699-5178-465A-9F3F-130CF1431F70}"/>
+                <a16:creationId xmlns:a16="http://schemas.microsoft.com/office/drawing/2014/main" xmlns="" id="{3FA00699-5178-465A-9F3F-130CF1431F70}"/>
               </a:ext>
             </a:extLst>
           </p:cNvPr>
@@ -15624,7 +14924,7 @@
           <p:cNvPr id="23" name="이등변 삼각형 22">
             <a:extLst>
               <a:ext uri="{FF2B5EF4-FFF2-40B4-BE49-F238E27FC236}">
-                <a16:creationId xmlns="" xmlns:a16="http://schemas.microsoft.com/office/drawing/2014/main" id="{742AB3A5-9F15-4025-9B9C-60E180327E2D}"/>
+                <a16:creationId xmlns:a16="http://schemas.microsoft.com/office/drawing/2014/main" xmlns="" id="{742AB3A5-9F15-4025-9B9C-60E180327E2D}"/>
               </a:ext>
             </a:extLst>
           </p:cNvPr>
@@ -15680,7 +14980,7 @@
           <p:cNvPr id="43" name="직사각형 42">
             <a:extLst>
               <a:ext uri="{FF2B5EF4-FFF2-40B4-BE49-F238E27FC236}">
-                <a16:creationId xmlns="" xmlns:a16="http://schemas.microsoft.com/office/drawing/2014/main" id="{3FA00699-5178-465A-9F3F-130CF1431F70}"/>
+                <a16:creationId xmlns:a16="http://schemas.microsoft.com/office/drawing/2014/main" xmlns="" id="{3FA00699-5178-465A-9F3F-130CF1431F70}"/>
               </a:ext>
             </a:extLst>
           </p:cNvPr>
@@ -15732,7 +15032,7 @@
           <p:cNvPr id="46" name="직사각형 45">
             <a:extLst>
               <a:ext uri="{FF2B5EF4-FFF2-40B4-BE49-F238E27FC236}">
-                <a16:creationId xmlns="" xmlns:a16="http://schemas.microsoft.com/office/drawing/2014/main" id="{3FA00699-5178-465A-9F3F-130CF1431F70}"/>
+                <a16:creationId xmlns:a16="http://schemas.microsoft.com/office/drawing/2014/main" xmlns="" id="{3FA00699-5178-465A-9F3F-130CF1431F70}"/>
               </a:ext>
             </a:extLst>
           </p:cNvPr>
@@ -15785,7 +15085,7 @@
           <p:cNvPr id="47" name="직사각형 46">
             <a:extLst>
               <a:ext uri="{FF2B5EF4-FFF2-40B4-BE49-F238E27FC236}">
-                <a16:creationId xmlns="" xmlns:a16="http://schemas.microsoft.com/office/drawing/2014/main" id="{3FA00699-5178-465A-9F3F-130CF1431F70}"/>
+                <a16:creationId xmlns:a16="http://schemas.microsoft.com/office/drawing/2014/main" xmlns="" id="{3FA00699-5178-465A-9F3F-130CF1431F70}"/>
               </a:ext>
             </a:extLst>
           </p:cNvPr>
@@ -16015,7 +15315,7 @@
           <p:cNvPr id="26" name="직사각형 25">
             <a:extLst>
               <a:ext uri="{FF2B5EF4-FFF2-40B4-BE49-F238E27FC236}">
-                <a16:creationId xmlns="" xmlns:a16="http://schemas.microsoft.com/office/drawing/2014/main" id="{3FA00699-5178-465A-9F3F-130CF1431F70}"/>
+                <a16:creationId xmlns:a16="http://schemas.microsoft.com/office/drawing/2014/main" xmlns="" id="{3FA00699-5178-465A-9F3F-130CF1431F70}"/>
               </a:ext>
             </a:extLst>
           </p:cNvPr>
@@ -16155,7 +15455,7 @@
           <p:cNvPr id="27" name="직사각형 26">
             <a:extLst>
               <a:ext uri="{FF2B5EF4-FFF2-40B4-BE49-F238E27FC236}">
-                <a16:creationId xmlns="" xmlns:a16="http://schemas.microsoft.com/office/drawing/2014/main" id="{3FA00699-5178-465A-9F3F-130CF1431F70}"/>
+                <a16:creationId xmlns:a16="http://schemas.microsoft.com/office/drawing/2014/main" xmlns="" id="{3FA00699-5178-465A-9F3F-130CF1431F70}"/>
               </a:ext>
             </a:extLst>
           </p:cNvPr>
@@ -16267,7 +15567,7 @@
           <p:cNvPr id="24" name="직사각형 23">
             <a:extLst>
               <a:ext uri="{FF2B5EF4-FFF2-40B4-BE49-F238E27FC236}">
-                <a16:creationId xmlns="" xmlns:a16="http://schemas.microsoft.com/office/drawing/2014/main" id="{3FA00699-5178-465A-9F3F-130CF1431F70}"/>
+                <a16:creationId xmlns:a16="http://schemas.microsoft.com/office/drawing/2014/main" xmlns="" id="{3FA00699-5178-465A-9F3F-130CF1431F70}"/>
               </a:ext>
             </a:extLst>
           </p:cNvPr>
@@ -16320,7 +15620,7 @@
           <p:cNvPr id="25" name="직사각형 24">
             <a:extLst>
               <a:ext uri="{FF2B5EF4-FFF2-40B4-BE49-F238E27FC236}">
-                <a16:creationId xmlns="" xmlns:a16="http://schemas.microsoft.com/office/drawing/2014/main" id="{3FA00699-5178-465A-9F3F-130CF1431F70}"/>
+                <a16:creationId xmlns:a16="http://schemas.microsoft.com/office/drawing/2014/main" xmlns="" id="{3FA00699-5178-465A-9F3F-130CF1431F70}"/>
               </a:ext>
             </a:extLst>
           </p:cNvPr>
@@ -16373,7 +15673,7 @@
           <p:cNvPr id="28" name="직사각형 27">
             <a:extLst>
               <a:ext uri="{FF2B5EF4-FFF2-40B4-BE49-F238E27FC236}">
-                <a16:creationId xmlns="" xmlns:a16="http://schemas.microsoft.com/office/drawing/2014/main" id="{3FA00699-5178-465A-9F3F-130CF1431F70}"/>
+                <a16:creationId xmlns:a16="http://schemas.microsoft.com/office/drawing/2014/main" xmlns="" id="{3FA00699-5178-465A-9F3F-130CF1431F70}"/>
               </a:ext>
             </a:extLst>
           </p:cNvPr>
@@ -17005,7 +16305,11 @@
             <a:graphicFrameLocks noGrp="1"/>
           </p:cNvGraphicFramePr>
           <p:nvPr>
-            <p:extLst/>
+            <p:extLst>
+              <p:ext uri="{D42A27DB-BD31-4B8C-83A1-F6EECF244321}">
+                <p14:modId xmlns:p14="http://schemas.microsoft.com/office/powerpoint/2010/main" val="1617575779"/>
+              </p:ext>
+            </p:extLst>
           </p:nvPr>
         </p:nvGraphicFramePr>
         <p:xfrm>
@@ -17117,26 +16421,6 @@
                     <a:lstStyle/>
                     <a:p>
                       <a:pPr algn="ctr" latinLnBrk="1"/>
-                      <a:r>
-                        <a:rPr kumimoji="0" lang="en-US" altLang="ko-KR" sz="1200" b="1" i="0" u="none" strike="noStrike" kern="1200" cap="none" spc="0" normalizeH="0" baseline="0" noProof="0" dirty="0" smtClean="0">
-                          <a:ln>
-                            <a:noFill/>
-                          </a:ln>
-                          <a:solidFill>
-                            <a:schemeClr val="tx1">
-                              <a:lumMod val="75000"/>
-                              <a:lumOff val="25000"/>
-                            </a:schemeClr>
-                          </a:solidFill>
-                          <a:effectLst/>
-                          <a:uLnTx/>
-                          <a:uFillTx/>
-                          <a:latin typeface="+mn-lt"/>
-                          <a:ea typeface="+mn-ea"/>
-                          <a:cs typeface="+mn-cs"/>
-                        </a:rPr>
-                        <a:t>CONTENTS</a:t>
-                      </a:r>
                       <a:endParaRPr lang="ko-KR" altLang="en-US" sz="1100" dirty="0">
                         <a:solidFill>
                           <a:schemeClr val="tx1">
@@ -17197,26 +16481,6 @@
                     <a:lstStyle/>
                     <a:p>
                       <a:pPr algn="ctr" latinLnBrk="1"/>
-                      <a:r>
-                        <a:rPr kumimoji="0" lang="en-US" altLang="ko-KR" sz="1200" b="1" i="0" u="none" strike="noStrike" kern="1200" cap="none" spc="0" normalizeH="0" baseline="0" noProof="0" dirty="0" smtClean="0">
-                          <a:ln>
-                            <a:noFill/>
-                          </a:ln>
-                          <a:solidFill>
-                            <a:schemeClr val="tx1">
-                              <a:lumMod val="75000"/>
-                              <a:lumOff val="25000"/>
-                            </a:schemeClr>
-                          </a:solidFill>
-                          <a:effectLst/>
-                          <a:uLnTx/>
-                          <a:uFillTx/>
-                          <a:latin typeface="+mn-lt"/>
-                          <a:ea typeface="+mn-ea"/>
-                          <a:cs typeface="+mn-cs"/>
-                        </a:rPr>
-                        <a:t>CONTENTS</a:t>
-                      </a:r>
                       <a:endParaRPr lang="ko-KR" altLang="en-US" sz="1100" dirty="0">
                         <a:solidFill>
                           <a:schemeClr val="tx1">
@@ -17277,26 +16541,6 @@
                     <a:lstStyle/>
                     <a:p>
                       <a:pPr algn="ctr" latinLnBrk="1"/>
-                      <a:r>
-                        <a:rPr kumimoji="0" lang="en-US" altLang="ko-KR" sz="1200" b="1" i="0" u="none" strike="noStrike" kern="1200" cap="none" spc="0" normalizeH="0" baseline="0" noProof="0" dirty="0" smtClean="0">
-                          <a:ln>
-                            <a:noFill/>
-                          </a:ln>
-                          <a:solidFill>
-                            <a:schemeClr val="tx1">
-                              <a:lumMod val="75000"/>
-                              <a:lumOff val="25000"/>
-                            </a:schemeClr>
-                          </a:solidFill>
-                          <a:effectLst/>
-                          <a:uLnTx/>
-                          <a:uFillTx/>
-                          <a:latin typeface="+mn-lt"/>
-                          <a:ea typeface="+mn-ea"/>
-                          <a:cs typeface="+mn-cs"/>
-                        </a:rPr>
-                        <a:t>CONTENTS</a:t>
-                      </a:r>
                       <a:endParaRPr lang="ko-KR" altLang="en-US" sz="1100" dirty="0">
                         <a:solidFill>
                           <a:schemeClr val="tx1">
@@ -17357,26 +16601,6 @@
                     <a:lstStyle/>
                     <a:p>
                       <a:pPr algn="ctr" latinLnBrk="1"/>
-                      <a:r>
-                        <a:rPr kumimoji="0" lang="en-US" altLang="ko-KR" sz="1200" b="1" i="0" u="none" strike="noStrike" kern="1200" cap="none" spc="0" normalizeH="0" baseline="0" noProof="0" dirty="0" smtClean="0">
-                          <a:ln>
-                            <a:noFill/>
-                          </a:ln>
-                          <a:solidFill>
-                            <a:schemeClr val="tx1">
-                              <a:lumMod val="75000"/>
-                              <a:lumOff val="25000"/>
-                            </a:schemeClr>
-                          </a:solidFill>
-                          <a:effectLst/>
-                          <a:uLnTx/>
-                          <a:uFillTx/>
-                          <a:latin typeface="+mn-lt"/>
-                          <a:ea typeface="+mn-ea"/>
-                          <a:cs typeface="+mn-cs"/>
-                        </a:rPr>
-                        <a:t>CONTENTS</a:t>
-                      </a:r>
                       <a:endParaRPr lang="ko-KR" altLang="en-US" sz="1100" dirty="0">
                         <a:solidFill>
                           <a:schemeClr val="tx1">
@@ -17437,26 +16661,6 @@
                     <a:lstStyle/>
                     <a:p>
                       <a:pPr algn="ctr" latinLnBrk="1"/>
-                      <a:r>
-                        <a:rPr kumimoji="0" lang="en-US" altLang="ko-KR" sz="1200" b="1" i="0" u="none" strike="noStrike" kern="1200" cap="none" spc="0" normalizeH="0" baseline="0" noProof="0" dirty="0" smtClean="0">
-                          <a:ln>
-                            <a:noFill/>
-                          </a:ln>
-                          <a:solidFill>
-                            <a:schemeClr val="tx1">
-                              <a:lumMod val="75000"/>
-                              <a:lumOff val="25000"/>
-                            </a:schemeClr>
-                          </a:solidFill>
-                          <a:effectLst/>
-                          <a:uLnTx/>
-                          <a:uFillTx/>
-                          <a:latin typeface="+mn-lt"/>
-                          <a:ea typeface="+mn-ea"/>
-                          <a:cs typeface="+mn-cs"/>
-                        </a:rPr>
-                        <a:t>CONTENTS</a:t>
-                      </a:r>
                       <a:endParaRPr lang="ko-KR" altLang="en-US" sz="1100" dirty="0">
                         <a:solidFill>
                           <a:schemeClr val="tx1">
@@ -17517,26 +16721,6 @@
                     <a:lstStyle/>
                     <a:p>
                       <a:pPr algn="ctr" latinLnBrk="1"/>
-                      <a:r>
-                        <a:rPr kumimoji="0" lang="en-US" altLang="ko-KR" sz="1200" b="1" i="0" u="none" strike="noStrike" kern="1200" cap="none" spc="0" normalizeH="0" baseline="0" noProof="0" dirty="0" smtClean="0">
-                          <a:ln>
-                            <a:noFill/>
-                          </a:ln>
-                          <a:solidFill>
-                            <a:schemeClr val="tx1">
-                              <a:lumMod val="75000"/>
-                              <a:lumOff val="25000"/>
-                            </a:schemeClr>
-                          </a:solidFill>
-                          <a:effectLst/>
-                          <a:uLnTx/>
-                          <a:uFillTx/>
-                          <a:latin typeface="+mn-lt"/>
-                          <a:ea typeface="+mn-ea"/>
-                          <a:cs typeface="+mn-cs"/>
-                        </a:rPr>
-                        <a:t>CONTENTS</a:t>
-                      </a:r>
                       <a:endParaRPr lang="ko-KR" altLang="en-US" sz="1100" dirty="0">
                         <a:solidFill>
                           <a:schemeClr val="tx1">
@@ -17597,26 +16781,6 @@
                     <a:lstStyle/>
                     <a:p>
                       <a:pPr algn="ctr" latinLnBrk="1"/>
-                      <a:r>
-                        <a:rPr kumimoji="0" lang="en-US" altLang="ko-KR" sz="1200" b="1" i="0" u="none" strike="noStrike" kern="1200" cap="none" spc="0" normalizeH="0" baseline="0" noProof="0" dirty="0" smtClean="0">
-                          <a:ln>
-                            <a:noFill/>
-                          </a:ln>
-                          <a:solidFill>
-                            <a:schemeClr val="tx1">
-                              <a:lumMod val="75000"/>
-                              <a:lumOff val="25000"/>
-                            </a:schemeClr>
-                          </a:solidFill>
-                          <a:effectLst/>
-                          <a:uLnTx/>
-                          <a:uFillTx/>
-                          <a:latin typeface="+mn-lt"/>
-                          <a:ea typeface="+mn-ea"/>
-                          <a:cs typeface="+mn-cs"/>
-                        </a:rPr>
-                        <a:t>CONTENTS</a:t>
-                      </a:r>
                       <a:endParaRPr lang="ko-KR" altLang="en-US" sz="1100" dirty="0">
                         <a:solidFill>
                           <a:schemeClr val="tx1">
@@ -19222,7 +18386,7 @@
           <p:nvPr>
             <p:extLst>
               <p:ext uri="{D42A27DB-BD31-4B8C-83A1-F6EECF244321}">
-                <p14:modId xmlns:p14="http://schemas.microsoft.com/office/powerpoint/2010/main" val="1974853893"/>
+                <p14:modId xmlns:p14="http://schemas.microsoft.com/office/powerpoint/2010/main" val="3710290431"/>
               </p:ext>
             </p:extLst>
           </p:nvPr>
@@ -19328,26 +18492,6 @@
                     <a:lstStyle/>
                     <a:p>
                       <a:pPr algn="ctr" latinLnBrk="1"/>
-                      <a:r>
-                        <a:rPr kumimoji="0" lang="en-US" altLang="ko-KR" sz="1200" b="1" i="0" u="none" strike="noStrike" kern="1200" cap="none" spc="0" normalizeH="0" baseline="0" noProof="0" dirty="0" smtClean="0">
-                          <a:ln>
-                            <a:noFill/>
-                          </a:ln>
-                          <a:solidFill>
-                            <a:schemeClr val="tx1">
-                              <a:lumMod val="75000"/>
-                              <a:lumOff val="25000"/>
-                            </a:schemeClr>
-                          </a:solidFill>
-                          <a:effectLst/>
-                          <a:uLnTx/>
-                          <a:uFillTx/>
-                          <a:latin typeface="+mn-lt"/>
-                          <a:ea typeface="+mn-ea"/>
-                          <a:cs typeface="+mn-cs"/>
-                        </a:rPr>
-                        <a:t>CONTENTS</a:t>
-                      </a:r>
                       <a:endParaRPr lang="ko-KR" altLang="en-US" sz="1100" dirty="0">
                         <a:solidFill>
                           <a:schemeClr val="tx1">
@@ -19408,26 +18552,6 @@
                     <a:lstStyle/>
                     <a:p>
                       <a:pPr algn="ctr" latinLnBrk="1"/>
-                      <a:r>
-                        <a:rPr kumimoji="0" lang="en-US" altLang="ko-KR" sz="1200" b="1" i="0" u="none" strike="noStrike" kern="1200" cap="none" spc="0" normalizeH="0" baseline="0" noProof="0" dirty="0" smtClean="0">
-                          <a:ln>
-                            <a:noFill/>
-                          </a:ln>
-                          <a:solidFill>
-                            <a:schemeClr val="tx1">
-                              <a:lumMod val="75000"/>
-                              <a:lumOff val="25000"/>
-                            </a:schemeClr>
-                          </a:solidFill>
-                          <a:effectLst/>
-                          <a:uLnTx/>
-                          <a:uFillTx/>
-                          <a:latin typeface="+mn-lt"/>
-                          <a:ea typeface="+mn-ea"/>
-                          <a:cs typeface="+mn-cs"/>
-                        </a:rPr>
-                        <a:t>CONTENTS</a:t>
-                      </a:r>
                       <a:endParaRPr lang="ko-KR" altLang="en-US" sz="1100" dirty="0">
                         <a:solidFill>
                           <a:schemeClr val="tx1">
@@ -19488,26 +18612,6 @@
                     <a:lstStyle/>
                     <a:p>
                       <a:pPr algn="ctr" latinLnBrk="1"/>
-                      <a:r>
-                        <a:rPr kumimoji="0" lang="en-US" altLang="ko-KR" sz="1200" b="1" i="0" u="none" strike="noStrike" kern="1200" cap="none" spc="0" normalizeH="0" baseline="0" noProof="0" dirty="0" smtClean="0">
-                          <a:ln>
-                            <a:noFill/>
-                          </a:ln>
-                          <a:solidFill>
-                            <a:schemeClr val="tx1">
-                              <a:lumMod val="75000"/>
-                              <a:lumOff val="25000"/>
-                            </a:schemeClr>
-                          </a:solidFill>
-                          <a:effectLst/>
-                          <a:uLnTx/>
-                          <a:uFillTx/>
-                          <a:latin typeface="+mn-lt"/>
-                          <a:ea typeface="+mn-ea"/>
-                          <a:cs typeface="+mn-cs"/>
-                        </a:rPr>
-                        <a:t>CONTENTS</a:t>
-                      </a:r>
                       <a:endParaRPr lang="ko-KR" altLang="en-US" sz="1100" dirty="0">
                         <a:solidFill>
                           <a:schemeClr val="tx1">
@@ -19568,26 +18672,6 @@
                     <a:lstStyle/>
                     <a:p>
                       <a:pPr algn="ctr" latinLnBrk="1"/>
-                      <a:r>
-                        <a:rPr kumimoji="0" lang="en-US" altLang="ko-KR" sz="1200" b="1" i="0" u="none" strike="noStrike" kern="1200" cap="none" spc="0" normalizeH="0" baseline="0" noProof="0" dirty="0" smtClean="0">
-                          <a:ln>
-                            <a:noFill/>
-                          </a:ln>
-                          <a:solidFill>
-                            <a:schemeClr val="tx1">
-                              <a:lumMod val="75000"/>
-                              <a:lumOff val="25000"/>
-                            </a:schemeClr>
-                          </a:solidFill>
-                          <a:effectLst/>
-                          <a:uLnTx/>
-                          <a:uFillTx/>
-                          <a:latin typeface="+mn-lt"/>
-                          <a:ea typeface="+mn-ea"/>
-                          <a:cs typeface="+mn-cs"/>
-                        </a:rPr>
-                        <a:t>CONTENTS</a:t>
-                      </a:r>
                       <a:endParaRPr lang="ko-KR" altLang="en-US" sz="1100" dirty="0">
                         <a:solidFill>
                           <a:schemeClr val="tx1">
@@ -19648,26 +18732,6 @@
                     <a:lstStyle/>
                     <a:p>
                       <a:pPr algn="ctr" latinLnBrk="1"/>
-                      <a:r>
-                        <a:rPr kumimoji="0" lang="en-US" altLang="ko-KR" sz="1200" b="1" i="0" u="none" strike="noStrike" kern="1200" cap="none" spc="0" normalizeH="0" baseline="0" noProof="0" dirty="0" smtClean="0">
-                          <a:ln>
-                            <a:noFill/>
-                          </a:ln>
-                          <a:solidFill>
-                            <a:schemeClr val="tx1">
-                              <a:lumMod val="75000"/>
-                              <a:lumOff val="25000"/>
-                            </a:schemeClr>
-                          </a:solidFill>
-                          <a:effectLst/>
-                          <a:uLnTx/>
-                          <a:uFillTx/>
-                          <a:latin typeface="+mn-lt"/>
-                          <a:ea typeface="+mn-ea"/>
-                          <a:cs typeface="+mn-cs"/>
-                        </a:rPr>
-                        <a:t>CONTENTS</a:t>
-                      </a:r>
                       <a:endParaRPr lang="ko-KR" altLang="en-US" sz="1100" dirty="0">
                         <a:solidFill>
                           <a:schemeClr val="tx1">
@@ -19728,26 +18792,6 @@
                     <a:lstStyle/>
                     <a:p>
                       <a:pPr algn="ctr" latinLnBrk="1"/>
-                      <a:r>
-                        <a:rPr kumimoji="0" lang="en-US" altLang="ko-KR" sz="1200" b="1" i="0" u="none" strike="noStrike" kern="1200" cap="none" spc="0" normalizeH="0" baseline="0" noProof="0" dirty="0" smtClean="0">
-                          <a:ln>
-                            <a:noFill/>
-                          </a:ln>
-                          <a:solidFill>
-                            <a:schemeClr val="tx1">
-                              <a:lumMod val="75000"/>
-                              <a:lumOff val="25000"/>
-                            </a:schemeClr>
-                          </a:solidFill>
-                          <a:effectLst/>
-                          <a:uLnTx/>
-                          <a:uFillTx/>
-                          <a:latin typeface="+mn-lt"/>
-                          <a:ea typeface="+mn-ea"/>
-                          <a:cs typeface="+mn-cs"/>
-                        </a:rPr>
-                        <a:t>CONTENTS</a:t>
-                      </a:r>
                       <a:endParaRPr lang="ko-KR" altLang="en-US" sz="1100" dirty="0">
                         <a:solidFill>
                           <a:schemeClr val="tx1">
@@ -19808,26 +18852,6 @@
                     <a:lstStyle/>
                     <a:p>
                       <a:pPr algn="ctr" latinLnBrk="1"/>
-                      <a:r>
-                        <a:rPr kumimoji="0" lang="en-US" altLang="ko-KR" sz="1200" b="1" i="0" u="none" strike="noStrike" kern="1200" cap="none" spc="0" normalizeH="0" baseline="0" noProof="0" dirty="0" smtClean="0">
-                          <a:ln>
-                            <a:noFill/>
-                          </a:ln>
-                          <a:solidFill>
-                            <a:schemeClr val="tx1">
-                              <a:lumMod val="75000"/>
-                              <a:lumOff val="25000"/>
-                            </a:schemeClr>
-                          </a:solidFill>
-                          <a:effectLst/>
-                          <a:uLnTx/>
-                          <a:uFillTx/>
-                          <a:latin typeface="+mn-lt"/>
-                          <a:ea typeface="+mn-ea"/>
-                          <a:cs typeface="+mn-cs"/>
-                        </a:rPr>
-                        <a:t>CONTENTS</a:t>
-                      </a:r>
                       <a:endParaRPr lang="ko-KR" altLang="en-US" sz="1100" dirty="0">
                         <a:solidFill>
                           <a:schemeClr val="tx1">
@@ -20185,7 +19209,7 @@
           <p:cNvPr id="51" name="직사각형 50">
             <a:extLst>
               <a:ext uri="{FF2B5EF4-FFF2-40B4-BE49-F238E27FC236}">
-                <a16:creationId xmlns="" xmlns:a16="http://schemas.microsoft.com/office/drawing/2014/main" id="{3FA00699-5178-465A-9F3F-130CF1431F70}"/>
+                <a16:creationId xmlns:a16="http://schemas.microsoft.com/office/drawing/2014/main" xmlns="" id="{3FA00699-5178-465A-9F3F-130CF1431F70}"/>
               </a:ext>
             </a:extLst>
           </p:cNvPr>
@@ -20238,7 +19262,7 @@
           <p:cNvPr id="52" name="직사각형 51">
             <a:extLst>
               <a:ext uri="{FF2B5EF4-FFF2-40B4-BE49-F238E27FC236}">
-                <a16:creationId xmlns="" xmlns:a16="http://schemas.microsoft.com/office/drawing/2014/main" id="{3FA00699-5178-465A-9F3F-130CF1431F70}"/>
+                <a16:creationId xmlns:a16="http://schemas.microsoft.com/office/drawing/2014/main" xmlns="" id="{3FA00699-5178-465A-9F3F-130CF1431F70}"/>
               </a:ext>
             </a:extLst>
           </p:cNvPr>
@@ -20968,7 +19992,7 @@
           <p:nvPr>
             <p:extLst>
               <p:ext uri="{D42A27DB-BD31-4B8C-83A1-F6EECF244321}">
-                <p14:modId xmlns:p14="http://schemas.microsoft.com/office/powerpoint/2010/main" val="3265108174"/>
+                <p14:modId xmlns:p14="http://schemas.microsoft.com/office/powerpoint/2010/main" val="1282989734"/>
               </p:ext>
             </p:extLst>
           </p:nvPr>
@@ -21074,26 +20098,6 @@
                     <a:lstStyle/>
                     <a:p>
                       <a:pPr algn="ctr" latinLnBrk="1"/>
-                      <a:r>
-                        <a:rPr kumimoji="0" lang="en-US" altLang="ko-KR" sz="1200" b="1" i="0" u="none" strike="noStrike" kern="1200" cap="none" spc="0" normalizeH="0" baseline="0" noProof="0" dirty="0" smtClean="0">
-                          <a:ln>
-                            <a:noFill/>
-                          </a:ln>
-                          <a:solidFill>
-                            <a:schemeClr val="tx1">
-                              <a:lumMod val="75000"/>
-                              <a:lumOff val="25000"/>
-                            </a:schemeClr>
-                          </a:solidFill>
-                          <a:effectLst/>
-                          <a:uLnTx/>
-                          <a:uFillTx/>
-                          <a:latin typeface="+mn-lt"/>
-                          <a:ea typeface="+mn-ea"/>
-                          <a:cs typeface="+mn-cs"/>
-                        </a:rPr>
-                        <a:t>CONTENTS</a:t>
-                      </a:r>
                       <a:endParaRPr lang="ko-KR" altLang="en-US" sz="1100" dirty="0">
                         <a:solidFill>
                           <a:schemeClr val="tx1">
@@ -21154,26 +20158,6 @@
                     <a:lstStyle/>
                     <a:p>
                       <a:pPr algn="ctr" latinLnBrk="1"/>
-                      <a:r>
-                        <a:rPr kumimoji="0" lang="en-US" altLang="ko-KR" sz="1200" b="1" i="0" u="none" strike="noStrike" kern="1200" cap="none" spc="0" normalizeH="0" baseline="0" noProof="0" dirty="0" smtClean="0">
-                          <a:ln>
-                            <a:noFill/>
-                          </a:ln>
-                          <a:solidFill>
-                            <a:schemeClr val="tx1">
-                              <a:lumMod val="75000"/>
-                              <a:lumOff val="25000"/>
-                            </a:schemeClr>
-                          </a:solidFill>
-                          <a:effectLst/>
-                          <a:uLnTx/>
-                          <a:uFillTx/>
-                          <a:latin typeface="+mn-lt"/>
-                          <a:ea typeface="+mn-ea"/>
-                          <a:cs typeface="+mn-cs"/>
-                        </a:rPr>
-                        <a:t>CONTENTS</a:t>
-                      </a:r>
                       <a:endParaRPr lang="ko-KR" altLang="en-US" sz="1100" dirty="0">
                         <a:solidFill>
                           <a:schemeClr val="tx1">
@@ -21234,26 +20218,6 @@
                     <a:lstStyle/>
                     <a:p>
                       <a:pPr algn="ctr" latinLnBrk="1"/>
-                      <a:r>
-                        <a:rPr kumimoji="0" lang="en-US" altLang="ko-KR" sz="1200" b="1" i="0" u="none" strike="noStrike" kern="1200" cap="none" spc="0" normalizeH="0" baseline="0" noProof="0" dirty="0" smtClean="0">
-                          <a:ln>
-                            <a:noFill/>
-                          </a:ln>
-                          <a:solidFill>
-                            <a:schemeClr val="tx1">
-                              <a:lumMod val="75000"/>
-                              <a:lumOff val="25000"/>
-                            </a:schemeClr>
-                          </a:solidFill>
-                          <a:effectLst/>
-                          <a:uLnTx/>
-                          <a:uFillTx/>
-                          <a:latin typeface="+mn-lt"/>
-                          <a:ea typeface="+mn-ea"/>
-                          <a:cs typeface="+mn-cs"/>
-                        </a:rPr>
-                        <a:t>CONTENTS</a:t>
-                      </a:r>
                       <a:endParaRPr lang="ko-KR" altLang="en-US" sz="1100" dirty="0">
                         <a:solidFill>
                           <a:schemeClr val="tx1">
@@ -21314,26 +20278,6 @@
                     <a:lstStyle/>
                     <a:p>
                       <a:pPr algn="ctr" latinLnBrk="1"/>
-                      <a:r>
-                        <a:rPr kumimoji="0" lang="en-US" altLang="ko-KR" sz="1200" b="1" i="0" u="none" strike="noStrike" kern="1200" cap="none" spc="0" normalizeH="0" baseline="0" noProof="0" dirty="0" smtClean="0">
-                          <a:ln>
-                            <a:noFill/>
-                          </a:ln>
-                          <a:solidFill>
-                            <a:schemeClr val="tx1">
-                              <a:lumMod val="75000"/>
-                              <a:lumOff val="25000"/>
-                            </a:schemeClr>
-                          </a:solidFill>
-                          <a:effectLst/>
-                          <a:uLnTx/>
-                          <a:uFillTx/>
-                          <a:latin typeface="+mn-lt"/>
-                          <a:ea typeface="+mn-ea"/>
-                          <a:cs typeface="+mn-cs"/>
-                        </a:rPr>
-                        <a:t>CONTENTS</a:t>
-                      </a:r>
                       <a:endParaRPr lang="ko-KR" altLang="en-US" sz="1100" dirty="0">
                         <a:solidFill>
                           <a:schemeClr val="tx1">
@@ -21394,26 +20338,6 @@
                     <a:lstStyle/>
                     <a:p>
                       <a:pPr algn="ctr" latinLnBrk="1"/>
-                      <a:r>
-                        <a:rPr kumimoji="0" lang="en-US" altLang="ko-KR" sz="1200" b="1" i="0" u="none" strike="noStrike" kern="1200" cap="none" spc="0" normalizeH="0" baseline="0" noProof="0" dirty="0" smtClean="0">
-                          <a:ln>
-                            <a:noFill/>
-                          </a:ln>
-                          <a:solidFill>
-                            <a:schemeClr val="tx1">
-                              <a:lumMod val="75000"/>
-                              <a:lumOff val="25000"/>
-                            </a:schemeClr>
-                          </a:solidFill>
-                          <a:effectLst/>
-                          <a:uLnTx/>
-                          <a:uFillTx/>
-                          <a:latin typeface="+mn-lt"/>
-                          <a:ea typeface="+mn-ea"/>
-                          <a:cs typeface="+mn-cs"/>
-                        </a:rPr>
-                        <a:t>CONTENTS</a:t>
-                      </a:r>
                       <a:endParaRPr lang="ko-KR" altLang="en-US" sz="1100" dirty="0">
                         <a:solidFill>
                           <a:schemeClr val="tx1">
@@ -21474,26 +20398,6 @@
                     <a:lstStyle/>
                     <a:p>
                       <a:pPr algn="ctr" latinLnBrk="1"/>
-                      <a:r>
-                        <a:rPr kumimoji="0" lang="en-US" altLang="ko-KR" sz="1200" b="1" i="0" u="none" strike="noStrike" kern="1200" cap="none" spc="0" normalizeH="0" baseline="0" noProof="0" dirty="0" smtClean="0">
-                          <a:ln>
-                            <a:noFill/>
-                          </a:ln>
-                          <a:solidFill>
-                            <a:schemeClr val="tx1">
-                              <a:lumMod val="75000"/>
-                              <a:lumOff val="25000"/>
-                            </a:schemeClr>
-                          </a:solidFill>
-                          <a:effectLst/>
-                          <a:uLnTx/>
-                          <a:uFillTx/>
-                          <a:latin typeface="+mn-lt"/>
-                          <a:ea typeface="+mn-ea"/>
-                          <a:cs typeface="+mn-cs"/>
-                        </a:rPr>
-                        <a:t>CONTENTS</a:t>
-                      </a:r>
                       <a:endParaRPr lang="ko-KR" altLang="en-US" sz="1100" dirty="0">
                         <a:solidFill>
                           <a:schemeClr val="tx1">
@@ -21554,26 +20458,6 @@
                     <a:lstStyle/>
                     <a:p>
                       <a:pPr algn="ctr" latinLnBrk="1"/>
-                      <a:r>
-                        <a:rPr kumimoji="0" lang="en-US" altLang="ko-KR" sz="1200" b="1" i="0" u="none" strike="noStrike" kern="1200" cap="none" spc="0" normalizeH="0" baseline="0" noProof="0" dirty="0" smtClean="0">
-                          <a:ln>
-                            <a:noFill/>
-                          </a:ln>
-                          <a:solidFill>
-                            <a:schemeClr val="tx1">
-                              <a:lumMod val="75000"/>
-                              <a:lumOff val="25000"/>
-                            </a:schemeClr>
-                          </a:solidFill>
-                          <a:effectLst/>
-                          <a:uLnTx/>
-                          <a:uFillTx/>
-                          <a:latin typeface="+mn-lt"/>
-                          <a:ea typeface="+mn-ea"/>
-                          <a:cs typeface="+mn-cs"/>
-                        </a:rPr>
-                        <a:t>CONTENTS</a:t>
-                      </a:r>
                       <a:endParaRPr lang="ko-KR" altLang="en-US" sz="1100" dirty="0">
                         <a:solidFill>
                           <a:schemeClr val="tx1">
@@ -21671,7 +20555,7 @@
           <p:cNvPr id="33" name="직사각형 32">
             <a:extLst>
               <a:ext uri="{FF2B5EF4-FFF2-40B4-BE49-F238E27FC236}">
-                <a16:creationId xmlns:lc="http://schemas.openxmlformats.org/drawingml/2006/lockedCanvas" xmlns:a16="http://schemas.microsoft.com/office/drawing/2014/main" xmlns="" id="{AD256F26-1C29-4D70-ADAE-89BD91A74F73}"/>
+                <a16:creationId xmlns="" xmlns:a16="http://schemas.microsoft.com/office/drawing/2014/main" xmlns:lc="http://schemas.openxmlformats.org/drawingml/2006/lockedCanvas" id="{AD256F26-1C29-4D70-ADAE-89BD91A74F73}"/>
               </a:ext>
             </a:extLst>
           </p:cNvPr>
@@ -21916,7 +20800,7 @@
             <p:cNvPr id="51" name="직사각형 50">
               <a:extLst>
                 <a:ext uri="{FF2B5EF4-FFF2-40B4-BE49-F238E27FC236}">
-                  <a16:creationId xmlns="" xmlns:a16="http://schemas.microsoft.com/office/drawing/2014/main" id="{3FA00699-5178-465A-9F3F-130CF1431F70}"/>
+                  <a16:creationId xmlns:a16="http://schemas.microsoft.com/office/drawing/2014/main" xmlns="" id="{3FA00699-5178-465A-9F3F-130CF1431F70}"/>
                 </a:ext>
               </a:extLst>
             </p:cNvPr>
@@ -22061,7 +20945,7 @@
             <p:cNvPr id="58" name="직사각형 57">
               <a:extLst>
                 <a:ext uri="{FF2B5EF4-FFF2-40B4-BE49-F238E27FC236}">
-                  <a16:creationId xmlns="" xmlns:a16="http://schemas.microsoft.com/office/drawing/2014/main" id="{3FA00699-5178-465A-9F3F-130CF1431F70}"/>
+                  <a16:creationId xmlns:a16="http://schemas.microsoft.com/office/drawing/2014/main" xmlns="" id="{3FA00699-5178-465A-9F3F-130CF1431F70}"/>
                 </a:ext>
               </a:extLst>
             </p:cNvPr>
@@ -22176,7 +21060,7 @@
             <p:cNvPr id="62" name="직사각형 61">
               <a:extLst>
                 <a:ext uri="{FF2B5EF4-FFF2-40B4-BE49-F238E27FC236}">
-                  <a16:creationId xmlns="" xmlns:a16="http://schemas.microsoft.com/office/drawing/2014/main" id="{3FA00699-5178-465A-9F3F-130CF1431F70}"/>
+                  <a16:creationId xmlns:a16="http://schemas.microsoft.com/office/drawing/2014/main" xmlns="" id="{3FA00699-5178-465A-9F3F-130CF1431F70}"/>
                 </a:ext>
               </a:extLst>
             </p:cNvPr>
@@ -22229,7 +21113,7 @@
           <p:cNvPr id="63" name="직사각형 62">
             <a:extLst>
               <a:ext uri="{FF2B5EF4-FFF2-40B4-BE49-F238E27FC236}">
-                <a16:creationId xmlns="" xmlns:a16="http://schemas.microsoft.com/office/drawing/2014/main" id="{3FA00699-5178-465A-9F3F-130CF1431F70}"/>
+                <a16:creationId xmlns:a16="http://schemas.microsoft.com/office/drawing/2014/main" xmlns="" id="{3FA00699-5178-465A-9F3F-130CF1431F70}"/>
               </a:ext>
             </a:extLst>
           </p:cNvPr>
@@ -22281,7 +21165,7 @@
           <p:cNvPr id="64" name="직사각형 63">
             <a:extLst>
               <a:ext uri="{FF2B5EF4-FFF2-40B4-BE49-F238E27FC236}">
-                <a16:creationId xmlns="" xmlns:a16="http://schemas.microsoft.com/office/drawing/2014/main" id="{3FA00699-5178-465A-9F3F-130CF1431F70}"/>
+                <a16:creationId xmlns:a16="http://schemas.microsoft.com/office/drawing/2014/main" xmlns="" id="{3FA00699-5178-465A-9F3F-130CF1431F70}"/>
               </a:ext>
             </a:extLst>
           </p:cNvPr>
@@ -22413,7 +21297,7 @@
           <p:cNvPr id="66" name="직사각형 65">
             <a:extLst>
               <a:ext uri="{FF2B5EF4-FFF2-40B4-BE49-F238E27FC236}">
-                <a16:creationId xmlns="" xmlns:a16="http://schemas.microsoft.com/office/drawing/2014/main" id="{3FA00699-5178-465A-9F3F-130CF1431F70}"/>
+                <a16:creationId xmlns:a16="http://schemas.microsoft.com/office/drawing/2014/main" xmlns="" id="{3FA00699-5178-465A-9F3F-130CF1431F70}"/>
               </a:ext>
             </a:extLst>
           </p:cNvPr>
@@ -22545,7 +21429,7 @@
           <p:cNvPr id="67" name="직사각형 66">
             <a:extLst>
               <a:ext uri="{FF2B5EF4-FFF2-40B4-BE49-F238E27FC236}">
-                <a16:creationId xmlns="" xmlns:a16="http://schemas.microsoft.com/office/drawing/2014/main" id="{3FA00699-5178-465A-9F3F-130CF1431F70}"/>
+                <a16:creationId xmlns:a16="http://schemas.microsoft.com/office/drawing/2014/main" xmlns="" id="{3FA00699-5178-465A-9F3F-130CF1431F70}"/>
               </a:ext>
             </a:extLst>
           </p:cNvPr>
@@ -23226,7 +22110,7 @@
           <p:nvPr>
             <p:extLst>
               <p:ext uri="{D42A27DB-BD31-4B8C-83A1-F6EECF244321}">
-                <p14:modId xmlns:p14="http://schemas.microsoft.com/office/powerpoint/2010/main" val="4202049578"/>
+                <p14:modId xmlns:p14="http://schemas.microsoft.com/office/powerpoint/2010/main" val="1372113695"/>
               </p:ext>
             </p:extLst>
           </p:nvPr>
@@ -23332,26 +22216,6 @@
                     <a:lstStyle/>
                     <a:p>
                       <a:pPr algn="ctr" latinLnBrk="1"/>
-                      <a:r>
-                        <a:rPr kumimoji="0" lang="en-US" altLang="ko-KR" sz="1200" b="1" i="0" u="none" strike="noStrike" kern="1200" cap="none" spc="0" normalizeH="0" baseline="0" noProof="0" dirty="0" smtClean="0">
-                          <a:ln>
-                            <a:noFill/>
-                          </a:ln>
-                          <a:solidFill>
-                            <a:schemeClr val="tx1">
-                              <a:lumMod val="75000"/>
-                              <a:lumOff val="25000"/>
-                            </a:schemeClr>
-                          </a:solidFill>
-                          <a:effectLst/>
-                          <a:uLnTx/>
-                          <a:uFillTx/>
-                          <a:latin typeface="+mn-lt"/>
-                          <a:ea typeface="+mn-ea"/>
-                          <a:cs typeface="+mn-cs"/>
-                        </a:rPr>
-                        <a:t>CONTENTS</a:t>
-                      </a:r>
                       <a:endParaRPr lang="ko-KR" altLang="en-US" sz="1100" dirty="0">
                         <a:solidFill>
                           <a:schemeClr val="tx1">
@@ -23412,26 +22276,6 @@
                     <a:lstStyle/>
                     <a:p>
                       <a:pPr algn="ctr" latinLnBrk="1"/>
-                      <a:r>
-                        <a:rPr kumimoji="0" lang="en-US" altLang="ko-KR" sz="1200" b="1" i="0" u="none" strike="noStrike" kern="1200" cap="none" spc="0" normalizeH="0" baseline="0" noProof="0" dirty="0" smtClean="0">
-                          <a:ln>
-                            <a:noFill/>
-                          </a:ln>
-                          <a:solidFill>
-                            <a:schemeClr val="tx1">
-                              <a:lumMod val="75000"/>
-                              <a:lumOff val="25000"/>
-                            </a:schemeClr>
-                          </a:solidFill>
-                          <a:effectLst/>
-                          <a:uLnTx/>
-                          <a:uFillTx/>
-                          <a:latin typeface="+mn-lt"/>
-                          <a:ea typeface="+mn-ea"/>
-                          <a:cs typeface="+mn-cs"/>
-                        </a:rPr>
-                        <a:t>CONTENTS</a:t>
-                      </a:r>
                       <a:endParaRPr lang="ko-KR" altLang="en-US" sz="1100" dirty="0">
                         <a:solidFill>
                           <a:schemeClr val="tx1">
@@ -23492,26 +22336,6 @@
                     <a:lstStyle/>
                     <a:p>
                       <a:pPr algn="ctr" latinLnBrk="1"/>
-                      <a:r>
-                        <a:rPr kumimoji="0" lang="en-US" altLang="ko-KR" sz="1200" b="1" i="0" u="none" strike="noStrike" kern="1200" cap="none" spc="0" normalizeH="0" baseline="0" noProof="0" dirty="0" smtClean="0">
-                          <a:ln>
-                            <a:noFill/>
-                          </a:ln>
-                          <a:solidFill>
-                            <a:schemeClr val="tx1">
-                              <a:lumMod val="75000"/>
-                              <a:lumOff val="25000"/>
-                            </a:schemeClr>
-                          </a:solidFill>
-                          <a:effectLst/>
-                          <a:uLnTx/>
-                          <a:uFillTx/>
-                          <a:latin typeface="+mn-lt"/>
-                          <a:ea typeface="+mn-ea"/>
-                          <a:cs typeface="+mn-cs"/>
-                        </a:rPr>
-                        <a:t>CONTENTS</a:t>
-                      </a:r>
                       <a:endParaRPr lang="ko-KR" altLang="en-US" sz="1100" dirty="0">
                         <a:solidFill>
                           <a:schemeClr val="tx1">
@@ -23572,26 +22396,6 @@
                     <a:lstStyle/>
                     <a:p>
                       <a:pPr algn="ctr" latinLnBrk="1"/>
-                      <a:r>
-                        <a:rPr kumimoji="0" lang="en-US" altLang="ko-KR" sz="1200" b="1" i="0" u="none" strike="noStrike" kern="1200" cap="none" spc="0" normalizeH="0" baseline="0" noProof="0" dirty="0" smtClean="0">
-                          <a:ln>
-                            <a:noFill/>
-                          </a:ln>
-                          <a:solidFill>
-                            <a:schemeClr val="tx1">
-                              <a:lumMod val="75000"/>
-                              <a:lumOff val="25000"/>
-                            </a:schemeClr>
-                          </a:solidFill>
-                          <a:effectLst/>
-                          <a:uLnTx/>
-                          <a:uFillTx/>
-                          <a:latin typeface="+mn-lt"/>
-                          <a:ea typeface="+mn-ea"/>
-                          <a:cs typeface="+mn-cs"/>
-                        </a:rPr>
-                        <a:t>CONTENTS</a:t>
-                      </a:r>
                       <a:endParaRPr lang="ko-KR" altLang="en-US" sz="1100" dirty="0">
                         <a:solidFill>
                           <a:schemeClr val="tx1">
@@ -23652,26 +22456,6 @@
                     <a:lstStyle/>
                     <a:p>
                       <a:pPr algn="ctr" latinLnBrk="1"/>
-                      <a:r>
-                        <a:rPr kumimoji="0" lang="en-US" altLang="ko-KR" sz="1200" b="1" i="0" u="none" strike="noStrike" kern="1200" cap="none" spc="0" normalizeH="0" baseline="0" noProof="0" dirty="0" smtClean="0">
-                          <a:ln>
-                            <a:noFill/>
-                          </a:ln>
-                          <a:solidFill>
-                            <a:schemeClr val="tx1">
-                              <a:lumMod val="75000"/>
-                              <a:lumOff val="25000"/>
-                            </a:schemeClr>
-                          </a:solidFill>
-                          <a:effectLst/>
-                          <a:uLnTx/>
-                          <a:uFillTx/>
-                          <a:latin typeface="+mn-lt"/>
-                          <a:ea typeface="+mn-ea"/>
-                          <a:cs typeface="+mn-cs"/>
-                        </a:rPr>
-                        <a:t>CONTENTS</a:t>
-                      </a:r>
                       <a:endParaRPr lang="ko-KR" altLang="en-US" sz="1100" dirty="0">
                         <a:solidFill>
                           <a:schemeClr val="tx1">
@@ -23732,26 +22516,6 @@
                     <a:lstStyle/>
                     <a:p>
                       <a:pPr algn="ctr" latinLnBrk="1"/>
-                      <a:r>
-                        <a:rPr kumimoji="0" lang="en-US" altLang="ko-KR" sz="1200" b="1" i="0" u="none" strike="noStrike" kern="1200" cap="none" spc="0" normalizeH="0" baseline="0" noProof="0" dirty="0" smtClean="0">
-                          <a:ln>
-                            <a:noFill/>
-                          </a:ln>
-                          <a:solidFill>
-                            <a:schemeClr val="tx1">
-                              <a:lumMod val="75000"/>
-                              <a:lumOff val="25000"/>
-                            </a:schemeClr>
-                          </a:solidFill>
-                          <a:effectLst/>
-                          <a:uLnTx/>
-                          <a:uFillTx/>
-                          <a:latin typeface="+mn-lt"/>
-                          <a:ea typeface="+mn-ea"/>
-                          <a:cs typeface="+mn-cs"/>
-                        </a:rPr>
-                        <a:t>CONTENTS</a:t>
-                      </a:r>
                       <a:endParaRPr lang="ko-KR" altLang="en-US" sz="1100" dirty="0">
                         <a:solidFill>
                           <a:schemeClr val="tx1">
@@ -23812,26 +22576,6 @@
                     <a:lstStyle/>
                     <a:p>
                       <a:pPr algn="ctr" latinLnBrk="1"/>
-                      <a:r>
-                        <a:rPr kumimoji="0" lang="en-US" altLang="ko-KR" sz="1200" b="1" i="0" u="none" strike="noStrike" kern="1200" cap="none" spc="0" normalizeH="0" baseline="0" noProof="0" dirty="0" smtClean="0">
-                          <a:ln>
-                            <a:noFill/>
-                          </a:ln>
-                          <a:solidFill>
-                            <a:schemeClr val="tx1">
-                              <a:lumMod val="75000"/>
-                              <a:lumOff val="25000"/>
-                            </a:schemeClr>
-                          </a:solidFill>
-                          <a:effectLst/>
-                          <a:uLnTx/>
-                          <a:uFillTx/>
-                          <a:latin typeface="+mn-lt"/>
-                          <a:ea typeface="+mn-ea"/>
-                          <a:cs typeface="+mn-cs"/>
-                        </a:rPr>
-                        <a:t>CONTENTS</a:t>
-                      </a:r>
                       <a:endParaRPr lang="ko-KR" altLang="en-US" sz="1100" dirty="0">
                         <a:solidFill>
                           <a:schemeClr val="tx1">
@@ -24027,7 +22771,7 @@
             <p:cNvPr id="51" name="직사각형 50">
               <a:extLst>
                 <a:ext uri="{FF2B5EF4-FFF2-40B4-BE49-F238E27FC236}">
-                  <a16:creationId xmlns="" xmlns:a16="http://schemas.microsoft.com/office/drawing/2014/main" id="{3FA00699-5178-465A-9F3F-130CF1431F70}"/>
+                  <a16:creationId xmlns:a16="http://schemas.microsoft.com/office/drawing/2014/main" xmlns="" id="{3FA00699-5178-465A-9F3F-130CF1431F70}"/>
                 </a:ext>
               </a:extLst>
             </p:cNvPr>
@@ -24148,7 +22892,7 @@
             <p:cNvPr id="58" name="직사각형 57">
               <a:extLst>
                 <a:ext uri="{FF2B5EF4-FFF2-40B4-BE49-F238E27FC236}">
-                  <a16:creationId xmlns="" xmlns:a16="http://schemas.microsoft.com/office/drawing/2014/main" id="{3FA00699-5178-465A-9F3F-130CF1431F70}"/>
+                  <a16:creationId xmlns:a16="http://schemas.microsoft.com/office/drawing/2014/main" xmlns="" id="{3FA00699-5178-465A-9F3F-130CF1431F70}"/>
                 </a:ext>
               </a:extLst>
             </p:cNvPr>
@@ -24269,7 +23013,7 @@
             <p:cNvPr id="62" name="직사각형 61">
               <a:extLst>
                 <a:ext uri="{FF2B5EF4-FFF2-40B4-BE49-F238E27FC236}">
-                  <a16:creationId xmlns="" xmlns:a16="http://schemas.microsoft.com/office/drawing/2014/main" id="{3FA00699-5178-465A-9F3F-130CF1431F70}"/>
+                  <a16:creationId xmlns:a16="http://schemas.microsoft.com/office/drawing/2014/main" xmlns="" id="{3FA00699-5178-465A-9F3F-130CF1431F70}"/>
                 </a:ext>
               </a:extLst>
             </p:cNvPr>
@@ -24322,7 +23066,7 @@
           <p:cNvPr id="63" name="직사각형 62">
             <a:extLst>
               <a:ext uri="{FF2B5EF4-FFF2-40B4-BE49-F238E27FC236}">
-                <a16:creationId xmlns="" xmlns:a16="http://schemas.microsoft.com/office/drawing/2014/main" id="{3FA00699-5178-465A-9F3F-130CF1431F70}"/>
+                <a16:creationId xmlns:a16="http://schemas.microsoft.com/office/drawing/2014/main" xmlns="" id="{3FA00699-5178-465A-9F3F-130CF1431F70}"/>
               </a:ext>
             </a:extLst>
           </p:cNvPr>
@@ -24374,7 +23118,7 @@
           <p:cNvPr id="64" name="직사각형 63">
             <a:extLst>
               <a:ext uri="{FF2B5EF4-FFF2-40B4-BE49-F238E27FC236}">
-                <a16:creationId xmlns="" xmlns:a16="http://schemas.microsoft.com/office/drawing/2014/main" id="{3FA00699-5178-465A-9F3F-130CF1431F70}"/>
+                <a16:creationId xmlns:a16="http://schemas.microsoft.com/office/drawing/2014/main" xmlns="" id="{3FA00699-5178-465A-9F3F-130CF1431F70}"/>
               </a:ext>
             </a:extLst>
           </p:cNvPr>
@@ -24522,7 +23266,7 @@
           <p:cNvPr id="66" name="직사각형 65">
             <a:extLst>
               <a:ext uri="{FF2B5EF4-FFF2-40B4-BE49-F238E27FC236}">
-                <a16:creationId xmlns="" xmlns:a16="http://schemas.microsoft.com/office/drawing/2014/main" id="{3FA00699-5178-465A-9F3F-130CF1431F70}"/>
+                <a16:creationId xmlns:a16="http://schemas.microsoft.com/office/drawing/2014/main" xmlns="" id="{3FA00699-5178-465A-9F3F-130CF1431F70}"/>
               </a:ext>
             </a:extLst>
           </p:cNvPr>
@@ -24654,7 +23398,7 @@
           <p:cNvPr id="67" name="직사각형 66">
             <a:extLst>
               <a:ext uri="{FF2B5EF4-FFF2-40B4-BE49-F238E27FC236}">
-                <a16:creationId xmlns="" xmlns:a16="http://schemas.microsoft.com/office/drawing/2014/main" id="{3FA00699-5178-465A-9F3F-130CF1431F70}"/>
+                <a16:creationId xmlns:a16="http://schemas.microsoft.com/office/drawing/2014/main" xmlns="" id="{3FA00699-5178-465A-9F3F-130CF1431F70}"/>
               </a:ext>
             </a:extLst>
           </p:cNvPr>
@@ -24806,7 +23550,7 @@
             <p:cNvPr id="34" name="직사각형 33">
               <a:extLst>
                 <a:ext uri="{FF2B5EF4-FFF2-40B4-BE49-F238E27FC236}">
-                  <a16:creationId xmlns="" xmlns:a16="http://schemas.microsoft.com/office/drawing/2014/main" id="{3FA00699-5178-465A-9F3F-130CF1431F70}"/>
+                  <a16:creationId xmlns:a16="http://schemas.microsoft.com/office/drawing/2014/main" xmlns="" id="{3FA00699-5178-465A-9F3F-130CF1431F70}"/>
                 </a:ext>
               </a:extLst>
             </p:cNvPr>
@@ -24859,7 +23603,7 @@
           <p:cNvPr id="35" name="직사각형 34">
             <a:extLst>
               <a:ext uri="{FF2B5EF4-FFF2-40B4-BE49-F238E27FC236}">
-                <a16:creationId xmlns="" xmlns:a16="http://schemas.microsoft.com/office/drawing/2014/main" id="{3FA00699-5178-465A-9F3F-130CF1431F70}"/>
+                <a16:creationId xmlns:a16="http://schemas.microsoft.com/office/drawing/2014/main" xmlns="" id="{3FA00699-5178-465A-9F3F-130CF1431F70}"/>
               </a:ext>
             </a:extLst>
           </p:cNvPr>

--- a/file/ppt.pptx
+++ b/file/ppt.pptx
@@ -4928,20 +4928,7 @@
                 <a:latin typeface="맑은 고딕" panose="020B0503020000020004" pitchFamily="50" charset="-127"/>
                 <a:ea typeface="맑은 고딕" panose="020B0503020000020004" pitchFamily="50" charset="-127"/>
               </a:rPr>
-              <a:t>Dialog</a:t>
-            </a:r>
-            <a:r>
-              <a:rPr lang="en-US" altLang="ko-KR" sz="1400" dirty="0" smtClean="0">
-                <a:solidFill>
-                  <a:prstClr val="black">
-                    <a:lumMod val="75000"/>
-                    <a:lumOff val="25000"/>
-                  </a:prstClr>
-                </a:solidFill>
-                <a:latin typeface="맑은 고딕" panose="020B0503020000020004" pitchFamily="50" charset="-127"/>
-                <a:ea typeface="맑은 고딕" panose="020B0503020000020004" pitchFamily="50" charset="-127"/>
-              </a:rPr>
-              <a:t> </a:t>
+              <a:t>Dialog </a:t>
             </a:r>
             <a:r>
               <a:rPr lang="ko-KR" altLang="en-US" sz="1400" dirty="0" smtClean="0">
@@ -6561,7 +6548,7 @@
           <p:cNvPr id="17" name="직사각형 16">
             <a:extLst>
               <a:ext uri="{FF2B5EF4-FFF2-40B4-BE49-F238E27FC236}">
-                <a16:creationId xmlns:a16="http://schemas.microsoft.com/office/drawing/2014/main" xmlns="" id="{3FA00699-5178-465A-9F3F-130CF1431F70}"/>
+                <a16:creationId xmlns="" xmlns:a16="http://schemas.microsoft.com/office/drawing/2014/main" id="{3FA00699-5178-465A-9F3F-130CF1431F70}"/>
               </a:ext>
             </a:extLst>
           </p:cNvPr>
@@ -6691,7 +6678,7 @@
           <p:cNvPr id="19" name="직사각형 18">
             <a:extLst>
               <a:ext uri="{FF2B5EF4-FFF2-40B4-BE49-F238E27FC236}">
-                <a16:creationId xmlns:a16="http://schemas.microsoft.com/office/drawing/2014/main" xmlns="" id="{3FA00699-5178-465A-9F3F-130CF1431F70}"/>
+                <a16:creationId xmlns="" xmlns:a16="http://schemas.microsoft.com/office/drawing/2014/main" id="{3FA00699-5178-465A-9F3F-130CF1431F70}"/>
               </a:ext>
             </a:extLst>
           </p:cNvPr>
@@ -7932,7 +7919,7 @@
           <p:cNvPr id="17" name="직사각형 16">
             <a:extLst>
               <a:ext uri="{FF2B5EF4-FFF2-40B4-BE49-F238E27FC236}">
-                <a16:creationId xmlns:a16="http://schemas.microsoft.com/office/drawing/2014/main" xmlns="" id="{3FA00699-5178-465A-9F3F-130CF1431F70}"/>
+                <a16:creationId xmlns="" xmlns:a16="http://schemas.microsoft.com/office/drawing/2014/main" id="{3FA00699-5178-465A-9F3F-130CF1431F70}"/>
               </a:ext>
             </a:extLst>
           </p:cNvPr>
@@ -8038,7 +8025,7 @@
           <p:cNvPr id="19" name="직사각형 18">
             <a:extLst>
               <a:ext uri="{FF2B5EF4-FFF2-40B4-BE49-F238E27FC236}">
-                <a16:creationId xmlns:a16="http://schemas.microsoft.com/office/drawing/2014/main" xmlns="" id="{3FA00699-5178-465A-9F3F-130CF1431F70}"/>
+                <a16:creationId xmlns="" xmlns:a16="http://schemas.microsoft.com/office/drawing/2014/main" id="{3FA00699-5178-465A-9F3F-130CF1431F70}"/>
               </a:ext>
             </a:extLst>
           </p:cNvPr>
@@ -9303,7 +9290,7 @@
           <p:cNvPr id="18" name="직사각형 17">
             <a:extLst>
               <a:ext uri="{FF2B5EF4-FFF2-40B4-BE49-F238E27FC236}">
-                <a16:creationId xmlns:a16="http://schemas.microsoft.com/office/drawing/2014/main" xmlns="" id="{3FA00699-5178-465A-9F3F-130CF1431F70}"/>
+                <a16:creationId xmlns="" xmlns:a16="http://schemas.microsoft.com/office/drawing/2014/main" id="{3FA00699-5178-465A-9F3F-130CF1431F70}"/>
               </a:ext>
             </a:extLst>
           </p:cNvPr>
@@ -9409,7 +9396,7 @@
           <p:cNvPr id="21" name="직사각형 20">
             <a:extLst>
               <a:ext uri="{FF2B5EF4-FFF2-40B4-BE49-F238E27FC236}">
-                <a16:creationId xmlns:a16="http://schemas.microsoft.com/office/drawing/2014/main" xmlns="" id="{3FA00699-5178-465A-9F3F-130CF1431F70}"/>
+                <a16:creationId xmlns="" xmlns:a16="http://schemas.microsoft.com/office/drawing/2014/main" id="{3FA00699-5178-465A-9F3F-130CF1431F70}"/>
               </a:ext>
             </a:extLst>
           </p:cNvPr>
@@ -10674,7 +10661,7 @@
           <p:cNvPr id="18" name="직사각형 17">
             <a:extLst>
               <a:ext uri="{FF2B5EF4-FFF2-40B4-BE49-F238E27FC236}">
-                <a16:creationId xmlns:a16="http://schemas.microsoft.com/office/drawing/2014/main" xmlns="" id="{3FA00699-5178-465A-9F3F-130CF1431F70}"/>
+                <a16:creationId xmlns="" xmlns:a16="http://schemas.microsoft.com/office/drawing/2014/main" id="{3FA00699-5178-465A-9F3F-130CF1431F70}"/>
               </a:ext>
             </a:extLst>
           </p:cNvPr>
@@ -10780,7 +10767,7 @@
           <p:cNvPr id="20" name="직사각형 19">
             <a:extLst>
               <a:ext uri="{FF2B5EF4-FFF2-40B4-BE49-F238E27FC236}">
-                <a16:creationId xmlns:a16="http://schemas.microsoft.com/office/drawing/2014/main" xmlns="" id="{3FA00699-5178-465A-9F3F-130CF1431F70}"/>
+                <a16:creationId xmlns="" xmlns:a16="http://schemas.microsoft.com/office/drawing/2014/main" id="{3FA00699-5178-465A-9F3F-130CF1431F70}"/>
               </a:ext>
             </a:extLst>
           </p:cNvPr>
@@ -12001,7 +11988,7 @@
           <p:cNvPr id="17" name="직사각형 16">
             <a:extLst>
               <a:ext uri="{FF2B5EF4-FFF2-40B4-BE49-F238E27FC236}">
-                <a16:creationId xmlns:a16="http://schemas.microsoft.com/office/drawing/2014/main" xmlns="" id="{3FA00699-5178-465A-9F3F-130CF1431F70}"/>
+                <a16:creationId xmlns="" xmlns:a16="http://schemas.microsoft.com/office/drawing/2014/main" id="{3FA00699-5178-465A-9F3F-130CF1431F70}"/>
               </a:ext>
             </a:extLst>
           </p:cNvPr>
@@ -12097,7 +12084,7 @@
           <p:cNvPr id="19" name="직사각형 18">
             <a:extLst>
               <a:ext uri="{FF2B5EF4-FFF2-40B4-BE49-F238E27FC236}">
-                <a16:creationId xmlns:a16="http://schemas.microsoft.com/office/drawing/2014/main" xmlns="" id="{3FA00699-5178-465A-9F3F-130CF1431F70}"/>
+                <a16:creationId xmlns="" xmlns:a16="http://schemas.microsoft.com/office/drawing/2014/main" id="{3FA00699-5178-465A-9F3F-130CF1431F70}"/>
               </a:ext>
             </a:extLst>
           </p:cNvPr>
@@ -13294,7 +13281,7 @@
           <p:cNvPr id="16" name="직사각형 15">
             <a:extLst>
               <a:ext uri="{FF2B5EF4-FFF2-40B4-BE49-F238E27FC236}">
-                <a16:creationId xmlns:a16="http://schemas.microsoft.com/office/drawing/2014/main" xmlns="" id="{3FA00699-5178-465A-9F3F-130CF1431F70}"/>
+                <a16:creationId xmlns="" xmlns:a16="http://schemas.microsoft.com/office/drawing/2014/main" id="{3FA00699-5178-465A-9F3F-130CF1431F70}"/>
               </a:ext>
             </a:extLst>
           </p:cNvPr>
@@ -13367,7 +13354,7 @@
           <p:cNvPr id="18" name="직사각형 17">
             <a:extLst>
               <a:ext uri="{FF2B5EF4-FFF2-40B4-BE49-F238E27FC236}">
-                <a16:creationId xmlns:a16="http://schemas.microsoft.com/office/drawing/2014/main" xmlns="" id="{3FA00699-5178-465A-9F3F-130CF1431F70}"/>
+                <a16:creationId xmlns="" xmlns:a16="http://schemas.microsoft.com/office/drawing/2014/main" id="{3FA00699-5178-465A-9F3F-130CF1431F70}"/>
               </a:ext>
             </a:extLst>
           </p:cNvPr>
@@ -14604,7 +14591,7 @@
           <p:cNvPr id="18" name="직사각형 17">
             <a:extLst>
               <a:ext uri="{FF2B5EF4-FFF2-40B4-BE49-F238E27FC236}">
-                <a16:creationId xmlns:a16="http://schemas.microsoft.com/office/drawing/2014/main" xmlns="" id="{3FA00699-5178-465A-9F3F-130CF1431F70}"/>
+                <a16:creationId xmlns="" xmlns:a16="http://schemas.microsoft.com/office/drawing/2014/main" id="{3FA00699-5178-465A-9F3F-130CF1431F70}"/>
               </a:ext>
             </a:extLst>
           </p:cNvPr>
@@ -14649,27 +14636,7 @@
                   </a:srgbClr>
                 </a:solidFill>
               </a:rPr>
-              <a:t>tri_insert_bankbook</a:t>
-            </a:r>
-            <a:r>
-              <a:rPr lang="en-US" altLang="ko-KR" b="1" dirty="0" err="1" smtClean="0">
-                <a:solidFill>
-                  <a:srgbClr val="44546A">
-                    <a:lumMod val="75000"/>
-                  </a:srgbClr>
-                </a:solidFill>
-              </a:rPr>
-              <a:t>_</a:t>
-            </a:r>
-            <a:r>
-              <a:rPr lang="en-US" altLang="ko-KR" b="1" dirty="0" err="1" smtClean="0">
-                <a:solidFill>
-                  <a:srgbClr val="44546A">
-                    <a:lumMod val="75000"/>
-                  </a:srgbClr>
-                </a:solidFill>
-              </a:rPr>
-              <a:t>performance</a:t>
+              <a:t>tri_insert_bankbook_performance</a:t>
             </a:r>
             <a:r>
               <a:rPr lang="en-US" altLang="ko-KR" b="1" dirty="0" smtClean="0">
@@ -15005,7 +14972,7 @@
           <p:cNvPr id="20" name="직사각형 19">
             <a:extLst>
               <a:ext uri="{FF2B5EF4-FFF2-40B4-BE49-F238E27FC236}">
-                <a16:creationId xmlns:a16="http://schemas.microsoft.com/office/drawing/2014/main" xmlns="" id="{3FA00699-5178-465A-9F3F-130CF1431F70}"/>
+                <a16:creationId xmlns="" xmlns:a16="http://schemas.microsoft.com/office/drawing/2014/main" id="{3FA00699-5178-465A-9F3F-130CF1431F70}"/>
               </a:ext>
             </a:extLst>
           </p:cNvPr>
@@ -16608,7 +16575,7 @@
           <p:cNvPr id="51" name="직사각형 50">
             <a:extLst>
               <a:ext uri="{FF2B5EF4-FFF2-40B4-BE49-F238E27FC236}">
-                <a16:creationId xmlns:a16="http://schemas.microsoft.com/office/drawing/2014/main" xmlns="" id="{3FA00699-5178-465A-9F3F-130CF1431F70}"/>
+                <a16:creationId xmlns="" xmlns:a16="http://schemas.microsoft.com/office/drawing/2014/main" id="{3FA00699-5178-465A-9F3F-130CF1431F70}"/>
               </a:ext>
             </a:extLst>
           </p:cNvPr>
@@ -16661,7 +16628,7 @@
           <p:cNvPr id="52" name="직사각형 51">
             <a:extLst>
               <a:ext uri="{FF2B5EF4-FFF2-40B4-BE49-F238E27FC236}">
-                <a16:creationId xmlns:a16="http://schemas.microsoft.com/office/drawing/2014/main" xmlns="" id="{3FA00699-5178-465A-9F3F-130CF1431F70}"/>
+                <a16:creationId xmlns="" xmlns:a16="http://schemas.microsoft.com/office/drawing/2014/main" id="{3FA00699-5178-465A-9F3F-130CF1431F70}"/>
               </a:ext>
             </a:extLst>
           </p:cNvPr>
@@ -17954,7 +17921,7 @@
           <p:cNvPr id="33" name="직사각형 32">
             <a:extLst>
               <a:ext uri="{FF2B5EF4-FFF2-40B4-BE49-F238E27FC236}">
-                <a16:creationId xmlns="" xmlns:a16="http://schemas.microsoft.com/office/drawing/2014/main" xmlns:lc="http://schemas.openxmlformats.org/drawingml/2006/lockedCanvas" id="{AD256F26-1C29-4D70-ADAE-89BD91A74F73}"/>
+                <a16:creationId xmlns:lc="http://schemas.openxmlformats.org/drawingml/2006/lockedCanvas" xmlns:a16="http://schemas.microsoft.com/office/drawing/2014/main" xmlns="" id="{AD256F26-1C29-4D70-ADAE-89BD91A74F73}"/>
               </a:ext>
             </a:extLst>
           </p:cNvPr>
@@ -18199,7 +18166,7 @@
             <p:cNvPr id="51" name="직사각형 50">
               <a:extLst>
                 <a:ext uri="{FF2B5EF4-FFF2-40B4-BE49-F238E27FC236}">
-                  <a16:creationId xmlns:a16="http://schemas.microsoft.com/office/drawing/2014/main" xmlns="" id="{3FA00699-5178-465A-9F3F-130CF1431F70}"/>
+                  <a16:creationId xmlns="" xmlns:a16="http://schemas.microsoft.com/office/drawing/2014/main" id="{3FA00699-5178-465A-9F3F-130CF1431F70}"/>
                 </a:ext>
               </a:extLst>
             </p:cNvPr>
@@ -18344,7 +18311,7 @@
             <p:cNvPr id="58" name="직사각형 57">
               <a:extLst>
                 <a:ext uri="{FF2B5EF4-FFF2-40B4-BE49-F238E27FC236}">
-                  <a16:creationId xmlns:a16="http://schemas.microsoft.com/office/drawing/2014/main" xmlns="" id="{3FA00699-5178-465A-9F3F-130CF1431F70}"/>
+                  <a16:creationId xmlns="" xmlns:a16="http://schemas.microsoft.com/office/drawing/2014/main" id="{3FA00699-5178-465A-9F3F-130CF1431F70}"/>
                 </a:ext>
               </a:extLst>
             </p:cNvPr>
@@ -18459,7 +18426,7 @@
             <p:cNvPr id="62" name="직사각형 61">
               <a:extLst>
                 <a:ext uri="{FF2B5EF4-FFF2-40B4-BE49-F238E27FC236}">
-                  <a16:creationId xmlns:a16="http://schemas.microsoft.com/office/drawing/2014/main" xmlns="" id="{3FA00699-5178-465A-9F3F-130CF1431F70}"/>
+                  <a16:creationId xmlns="" xmlns:a16="http://schemas.microsoft.com/office/drawing/2014/main" id="{3FA00699-5178-465A-9F3F-130CF1431F70}"/>
                 </a:ext>
               </a:extLst>
             </p:cNvPr>
@@ -18512,7 +18479,7 @@
           <p:cNvPr id="63" name="직사각형 62">
             <a:extLst>
               <a:ext uri="{FF2B5EF4-FFF2-40B4-BE49-F238E27FC236}">
-                <a16:creationId xmlns:a16="http://schemas.microsoft.com/office/drawing/2014/main" xmlns="" id="{3FA00699-5178-465A-9F3F-130CF1431F70}"/>
+                <a16:creationId xmlns="" xmlns:a16="http://schemas.microsoft.com/office/drawing/2014/main" id="{3FA00699-5178-465A-9F3F-130CF1431F70}"/>
               </a:ext>
             </a:extLst>
           </p:cNvPr>
@@ -18564,7 +18531,7 @@
           <p:cNvPr id="64" name="직사각형 63">
             <a:extLst>
               <a:ext uri="{FF2B5EF4-FFF2-40B4-BE49-F238E27FC236}">
-                <a16:creationId xmlns:a16="http://schemas.microsoft.com/office/drawing/2014/main" xmlns="" id="{3FA00699-5178-465A-9F3F-130CF1431F70}"/>
+                <a16:creationId xmlns="" xmlns:a16="http://schemas.microsoft.com/office/drawing/2014/main" id="{3FA00699-5178-465A-9F3F-130CF1431F70}"/>
               </a:ext>
             </a:extLst>
           </p:cNvPr>
@@ -18696,7 +18663,7 @@
           <p:cNvPr id="66" name="직사각형 65">
             <a:extLst>
               <a:ext uri="{FF2B5EF4-FFF2-40B4-BE49-F238E27FC236}">
-                <a16:creationId xmlns:a16="http://schemas.microsoft.com/office/drawing/2014/main" xmlns="" id="{3FA00699-5178-465A-9F3F-130CF1431F70}"/>
+                <a16:creationId xmlns="" xmlns:a16="http://schemas.microsoft.com/office/drawing/2014/main" id="{3FA00699-5178-465A-9F3F-130CF1431F70}"/>
               </a:ext>
             </a:extLst>
           </p:cNvPr>
@@ -18828,7 +18795,7 @@
           <p:cNvPr id="67" name="직사각형 66">
             <a:extLst>
               <a:ext uri="{FF2B5EF4-FFF2-40B4-BE49-F238E27FC236}">
-                <a16:creationId xmlns:a16="http://schemas.microsoft.com/office/drawing/2014/main" xmlns="" id="{3FA00699-5178-465A-9F3F-130CF1431F70}"/>
+                <a16:creationId xmlns="" xmlns:a16="http://schemas.microsoft.com/office/drawing/2014/main" id="{3FA00699-5178-465A-9F3F-130CF1431F70}"/>
               </a:ext>
             </a:extLst>
           </p:cNvPr>
@@ -20170,7 +20137,7 @@
             <p:cNvPr id="51" name="직사각형 50">
               <a:extLst>
                 <a:ext uri="{FF2B5EF4-FFF2-40B4-BE49-F238E27FC236}">
-                  <a16:creationId xmlns:a16="http://schemas.microsoft.com/office/drawing/2014/main" xmlns="" id="{3FA00699-5178-465A-9F3F-130CF1431F70}"/>
+                  <a16:creationId xmlns="" xmlns:a16="http://schemas.microsoft.com/office/drawing/2014/main" id="{3FA00699-5178-465A-9F3F-130CF1431F70}"/>
                 </a:ext>
               </a:extLst>
             </p:cNvPr>
@@ -20291,7 +20258,7 @@
             <p:cNvPr id="58" name="직사각형 57">
               <a:extLst>
                 <a:ext uri="{FF2B5EF4-FFF2-40B4-BE49-F238E27FC236}">
-                  <a16:creationId xmlns:a16="http://schemas.microsoft.com/office/drawing/2014/main" xmlns="" id="{3FA00699-5178-465A-9F3F-130CF1431F70}"/>
+                  <a16:creationId xmlns="" xmlns:a16="http://schemas.microsoft.com/office/drawing/2014/main" id="{3FA00699-5178-465A-9F3F-130CF1431F70}"/>
                 </a:ext>
               </a:extLst>
             </p:cNvPr>
@@ -20412,7 +20379,7 @@
             <p:cNvPr id="62" name="직사각형 61">
               <a:extLst>
                 <a:ext uri="{FF2B5EF4-FFF2-40B4-BE49-F238E27FC236}">
-                  <a16:creationId xmlns:a16="http://schemas.microsoft.com/office/drawing/2014/main" xmlns="" id="{3FA00699-5178-465A-9F3F-130CF1431F70}"/>
+                  <a16:creationId xmlns="" xmlns:a16="http://schemas.microsoft.com/office/drawing/2014/main" id="{3FA00699-5178-465A-9F3F-130CF1431F70}"/>
                 </a:ext>
               </a:extLst>
             </p:cNvPr>
@@ -20465,7 +20432,7 @@
           <p:cNvPr id="63" name="직사각형 62">
             <a:extLst>
               <a:ext uri="{FF2B5EF4-FFF2-40B4-BE49-F238E27FC236}">
-                <a16:creationId xmlns:a16="http://schemas.microsoft.com/office/drawing/2014/main" xmlns="" id="{3FA00699-5178-465A-9F3F-130CF1431F70}"/>
+                <a16:creationId xmlns="" xmlns:a16="http://schemas.microsoft.com/office/drawing/2014/main" id="{3FA00699-5178-465A-9F3F-130CF1431F70}"/>
               </a:ext>
             </a:extLst>
           </p:cNvPr>
@@ -20517,7 +20484,7 @@
           <p:cNvPr id="64" name="직사각형 63">
             <a:extLst>
               <a:ext uri="{FF2B5EF4-FFF2-40B4-BE49-F238E27FC236}">
-                <a16:creationId xmlns:a16="http://schemas.microsoft.com/office/drawing/2014/main" xmlns="" id="{3FA00699-5178-465A-9F3F-130CF1431F70}"/>
+                <a16:creationId xmlns="" xmlns:a16="http://schemas.microsoft.com/office/drawing/2014/main" id="{3FA00699-5178-465A-9F3F-130CF1431F70}"/>
               </a:ext>
             </a:extLst>
           </p:cNvPr>
@@ -20665,7 +20632,7 @@
           <p:cNvPr id="66" name="직사각형 65">
             <a:extLst>
               <a:ext uri="{FF2B5EF4-FFF2-40B4-BE49-F238E27FC236}">
-                <a16:creationId xmlns:a16="http://schemas.microsoft.com/office/drawing/2014/main" xmlns="" id="{3FA00699-5178-465A-9F3F-130CF1431F70}"/>
+                <a16:creationId xmlns="" xmlns:a16="http://schemas.microsoft.com/office/drawing/2014/main" id="{3FA00699-5178-465A-9F3F-130CF1431F70}"/>
               </a:ext>
             </a:extLst>
           </p:cNvPr>
@@ -20797,7 +20764,7 @@
           <p:cNvPr id="67" name="직사각형 66">
             <a:extLst>
               <a:ext uri="{FF2B5EF4-FFF2-40B4-BE49-F238E27FC236}">
-                <a16:creationId xmlns:a16="http://schemas.microsoft.com/office/drawing/2014/main" xmlns="" id="{3FA00699-5178-465A-9F3F-130CF1431F70}"/>
+                <a16:creationId xmlns="" xmlns:a16="http://schemas.microsoft.com/office/drawing/2014/main" id="{3FA00699-5178-465A-9F3F-130CF1431F70}"/>
               </a:ext>
             </a:extLst>
           </p:cNvPr>
@@ -20949,7 +20916,7 @@
             <p:cNvPr id="34" name="직사각형 33">
               <a:extLst>
                 <a:ext uri="{FF2B5EF4-FFF2-40B4-BE49-F238E27FC236}">
-                  <a16:creationId xmlns:a16="http://schemas.microsoft.com/office/drawing/2014/main" xmlns="" id="{3FA00699-5178-465A-9F3F-130CF1431F70}"/>
+                  <a16:creationId xmlns="" xmlns:a16="http://schemas.microsoft.com/office/drawing/2014/main" id="{3FA00699-5178-465A-9F3F-130CF1431F70}"/>
                 </a:ext>
               </a:extLst>
             </p:cNvPr>
@@ -21002,7 +20969,7 @@
           <p:cNvPr id="35" name="직사각형 34">
             <a:extLst>
               <a:ext uri="{FF2B5EF4-FFF2-40B4-BE49-F238E27FC236}">
-                <a16:creationId xmlns:a16="http://schemas.microsoft.com/office/drawing/2014/main" xmlns="" id="{3FA00699-5178-465A-9F3F-130CF1431F70}"/>
+                <a16:creationId xmlns="" xmlns:a16="http://schemas.microsoft.com/office/drawing/2014/main" id="{3FA00699-5178-465A-9F3F-130CF1431F70}"/>
               </a:ext>
             </a:extLst>
           </p:cNvPr>
@@ -24700,7 +24667,7 @@
           <p:cNvPr id="33" name="직사각형 32">
             <a:extLst>
               <a:ext uri="{FF2B5EF4-FFF2-40B4-BE49-F238E27FC236}">
-                <a16:creationId xmlns="" xmlns:a16="http://schemas.microsoft.com/office/drawing/2014/main" xmlns:lc="http://schemas.openxmlformats.org/drawingml/2006/lockedCanvas" id="{AD256F26-1C29-4D70-ADAE-89BD91A74F73}"/>
+                <a16:creationId xmlns:lc="http://schemas.openxmlformats.org/drawingml/2006/lockedCanvas" xmlns:a16="http://schemas.microsoft.com/office/drawing/2014/main" xmlns="" id="{AD256F26-1C29-4D70-ADAE-89BD91A74F73}"/>
               </a:ext>
             </a:extLst>
           </p:cNvPr>
@@ -24945,7 +24912,7 @@
             <p:cNvPr id="51" name="직사각형 50">
               <a:extLst>
                 <a:ext uri="{FF2B5EF4-FFF2-40B4-BE49-F238E27FC236}">
-                  <a16:creationId xmlns:a16="http://schemas.microsoft.com/office/drawing/2014/main" xmlns="" id="{3FA00699-5178-465A-9F3F-130CF1431F70}"/>
+                  <a16:creationId xmlns="" xmlns:a16="http://schemas.microsoft.com/office/drawing/2014/main" id="{3FA00699-5178-465A-9F3F-130CF1431F70}"/>
                 </a:ext>
               </a:extLst>
             </p:cNvPr>
@@ -25060,7 +25027,7 @@
             <p:cNvPr id="58" name="직사각형 57">
               <a:extLst>
                 <a:ext uri="{FF2B5EF4-FFF2-40B4-BE49-F238E27FC236}">
-                  <a16:creationId xmlns:a16="http://schemas.microsoft.com/office/drawing/2014/main" xmlns="" id="{3FA00699-5178-465A-9F3F-130CF1431F70}"/>
+                  <a16:creationId xmlns="" xmlns:a16="http://schemas.microsoft.com/office/drawing/2014/main" id="{3FA00699-5178-465A-9F3F-130CF1431F70}"/>
                 </a:ext>
               </a:extLst>
             </p:cNvPr>
@@ -25175,7 +25142,7 @@
             <p:cNvPr id="62" name="직사각형 61">
               <a:extLst>
                 <a:ext uri="{FF2B5EF4-FFF2-40B4-BE49-F238E27FC236}">
-                  <a16:creationId xmlns:a16="http://schemas.microsoft.com/office/drawing/2014/main" xmlns="" id="{3FA00699-5178-465A-9F3F-130CF1431F70}"/>
+                  <a16:creationId xmlns="" xmlns:a16="http://schemas.microsoft.com/office/drawing/2014/main" id="{3FA00699-5178-465A-9F3F-130CF1431F70}"/>
                 </a:ext>
               </a:extLst>
             </p:cNvPr>
@@ -25228,7 +25195,7 @@
           <p:cNvPr id="63" name="직사각형 62">
             <a:extLst>
               <a:ext uri="{FF2B5EF4-FFF2-40B4-BE49-F238E27FC236}">
-                <a16:creationId xmlns:a16="http://schemas.microsoft.com/office/drawing/2014/main" xmlns="" id="{3FA00699-5178-465A-9F3F-130CF1431F70}"/>
+                <a16:creationId xmlns="" xmlns:a16="http://schemas.microsoft.com/office/drawing/2014/main" id="{3FA00699-5178-465A-9F3F-130CF1431F70}"/>
               </a:ext>
             </a:extLst>
           </p:cNvPr>
@@ -25280,7 +25247,7 @@
           <p:cNvPr id="64" name="직사각형 63">
             <a:extLst>
               <a:ext uri="{FF2B5EF4-FFF2-40B4-BE49-F238E27FC236}">
-                <a16:creationId xmlns:a16="http://schemas.microsoft.com/office/drawing/2014/main" xmlns="" id="{3FA00699-5178-465A-9F3F-130CF1431F70}"/>
+                <a16:creationId xmlns="" xmlns:a16="http://schemas.microsoft.com/office/drawing/2014/main" id="{3FA00699-5178-465A-9F3F-130CF1431F70}"/>
               </a:ext>
             </a:extLst>
           </p:cNvPr>
@@ -25415,17 +25382,7 @@
                   </a:schemeClr>
                 </a:solidFill>
               </a:rPr>
-              <a:t>해지 </a:t>
-            </a:r>
-            <a:r>
-              <a:rPr lang="ko-KR" altLang="en-US" sz="2400" b="1" dirty="0" smtClean="0">
-                <a:solidFill>
-                  <a:schemeClr val="bg1">
-                    <a:lumMod val="85000"/>
-                  </a:schemeClr>
-                </a:solidFill>
-              </a:rPr>
-              <a:t>계좌</a:t>
+              <a:t>해지 계좌</a:t>
             </a:r>
             <a:endParaRPr lang="en-US" altLang="ko-KR" sz="2400" b="1" dirty="0" smtClean="0">
               <a:solidFill>
@@ -25484,7 +25441,7 @@
           <p:cNvPr id="66" name="직사각형 65">
             <a:extLst>
               <a:ext uri="{FF2B5EF4-FFF2-40B4-BE49-F238E27FC236}">
-                <a16:creationId xmlns:a16="http://schemas.microsoft.com/office/drawing/2014/main" xmlns="" id="{3FA00699-5178-465A-9F3F-130CF1431F70}"/>
+                <a16:creationId xmlns="" xmlns:a16="http://schemas.microsoft.com/office/drawing/2014/main" id="{3FA00699-5178-465A-9F3F-130CF1431F70}"/>
               </a:ext>
             </a:extLst>
           </p:cNvPr>
@@ -25616,7 +25573,7 @@
           <p:cNvPr id="67" name="직사각형 66">
             <a:extLst>
               <a:ext uri="{FF2B5EF4-FFF2-40B4-BE49-F238E27FC236}">
-                <a16:creationId xmlns:a16="http://schemas.microsoft.com/office/drawing/2014/main" xmlns="" id="{3FA00699-5178-465A-9F3F-130CF1431F70}"/>
+                <a16:creationId xmlns="" xmlns:a16="http://schemas.microsoft.com/office/drawing/2014/main" id="{3FA00699-5178-465A-9F3F-130CF1431F70}"/>
               </a:ext>
             </a:extLst>
           </p:cNvPr>
@@ -29160,7 +29117,7 @@
           <p:cNvPr id="42" name="직사각형 41">
             <a:extLst>
               <a:ext uri="{FF2B5EF4-FFF2-40B4-BE49-F238E27FC236}">
-                <a16:creationId xmlns:a16="http://schemas.microsoft.com/office/drawing/2014/main" xmlns="" id="{3FA00699-5178-465A-9F3F-130CF1431F70}"/>
+                <a16:creationId xmlns="" xmlns:a16="http://schemas.microsoft.com/office/drawing/2014/main" id="{3FA00699-5178-465A-9F3F-130CF1431F70}"/>
               </a:ext>
             </a:extLst>
           </p:cNvPr>
@@ -29221,7 +29178,7 @@
           <p:cNvPr id="45" name="직사각형 44">
             <a:extLst>
               <a:ext uri="{FF2B5EF4-FFF2-40B4-BE49-F238E27FC236}">
-                <a16:creationId xmlns:a16="http://schemas.microsoft.com/office/drawing/2014/main" xmlns="" id="{3FA00699-5178-465A-9F3F-130CF1431F70}"/>
+                <a16:creationId xmlns="" xmlns:a16="http://schemas.microsoft.com/office/drawing/2014/main" id="{3FA00699-5178-465A-9F3F-130CF1431F70}"/>
               </a:ext>
             </a:extLst>
           </p:cNvPr>
@@ -29274,7 +29231,7 @@
           <p:cNvPr id="46" name="직사각형 45">
             <a:extLst>
               <a:ext uri="{FF2B5EF4-FFF2-40B4-BE49-F238E27FC236}">
-                <a16:creationId xmlns:a16="http://schemas.microsoft.com/office/drawing/2014/main" xmlns="" id="{3FA00699-5178-465A-9F3F-130CF1431F70}"/>
+                <a16:creationId xmlns="" xmlns:a16="http://schemas.microsoft.com/office/drawing/2014/main" id="{3FA00699-5178-465A-9F3F-130CF1431F70}"/>
               </a:ext>
             </a:extLst>
           </p:cNvPr>
@@ -29345,7 +29302,7 @@
           <p:cNvPr id="47" name="직사각형 46">
             <a:extLst>
               <a:ext uri="{FF2B5EF4-FFF2-40B4-BE49-F238E27FC236}">
-                <a16:creationId xmlns:a16="http://schemas.microsoft.com/office/drawing/2014/main" xmlns="" id="{3FA00699-5178-465A-9F3F-130CF1431F70}"/>
+                <a16:creationId xmlns="" xmlns:a16="http://schemas.microsoft.com/office/drawing/2014/main" id="{3FA00699-5178-465A-9F3F-130CF1431F70}"/>
               </a:ext>
             </a:extLst>
           </p:cNvPr>
@@ -29397,7 +29354,7 @@
           <p:cNvPr id="48" name="직사각형 47">
             <a:extLst>
               <a:ext uri="{FF2B5EF4-FFF2-40B4-BE49-F238E27FC236}">
-                <a16:creationId xmlns:a16="http://schemas.microsoft.com/office/drawing/2014/main" xmlns="" id="{3FA00699-5178-465A-9F3F-130CF1431F70}"/>
+                <a16:creationId xmlns="" xmlns:a16="http://schemas.microsoft.com/office/drawing/2014/main" id="{3FA00699-5178-465A-9F3F-130CF1431F70}"/>
               </a:ext>
             </a:extLst>
           </p:cNvPr>
@@ -29450,7 +29407,7 @@
           <p:cNvPr id="49" name="직사각형 48">
             <a:extLst>
               <a:ext uri="{FF2B5EF4-FFF2-40B4-BE49-F238E27FC236}">
-                <a16:creationId xmlns:a16="http://schemas.microsoft.com/office/drawing/2014/main" xmlns="" id="{3FA00699-5178-465A-9F3F-130CF1431F70}"/>
+                <a16:creationId xmlns="" xmlns:a16="http://schemas.microsoft.com/office/drawing/2014/main" id="{3FA00699-5178-465A-9F3F-130CF1431F70}"/>
               </a:ext>
             </a:extLst>
           </p:cNvPr>
@@ -29512,7 +29469,7 @@
           <p:cNvPr id="50" name="직사각형 49">
             <a:extLst>
               <a:ext uri="{FF2B5EF4-FFF2-40B4-BE49-F238E27FC236}">
-                <a16:creationId xmlns:a16="http://schemas.microsoft.com/office/drawing/2014/main" xmlns="" id="{3FA00699-5178-465A-9F3F-130CF1431F70}"/>
+                <a16:creationId xmlns="" xmlns:a16="http://schemas.microsoft.com/office/drawing/2014/main" id="{3FA00699-5178-465A-9F3F-130CF1431F70}"/>
               </a:ext>
             </a:extLst>
           </p:cNvPr>
@@ -29570,7 +29527,7 @@
           <p:cNvPr id="51" name="직사각형 50">
             <a:extLst>
               <a:ext uri="{FF2B5EF4-FFF2-40B4-BE49-F238E27FC236}">
-                <a16:creationId xmlns:a16="http://schemas.microsoft.com/office/drawing/2014/main" xmlns="" id="{3FA00699-5178-465A-9F3F-130CF1431F70}"/>
+                <a16:creationId xmlns="" xmlns:a16="http://schemas.microsoft.com/office/drawing/2014/main" id="{3FA00699-5178-465A-9F3F-130CF1431F70}"/>
               </a:ext>
             </a:extLst>
           </p:cNvPr>
@@ -30768,7 +30725,7 @@
           <p:cNvPr id="34" name="직사각형 33">
             <a:extLst>
               <a:ext uri="{FF2B5EF4-FFF2-40B4-BE49-F238E27FC236}">
-                <a16:creationId xmlns:a16="http://schemas.microsoft.com/office/drawing/2014/main" xmlns="" id="{3FA00699-5178-465A-9F3F-130CF1431F70}"/>
+                <a16:creationId xmlns="" xmlns:a16="http://schemas.microsoft.com/office/drawing/2014/main" id="{3FA00699-5178-465A-9F3F-130CF1431F70}"/>
               </a:ext>
             </a:extLst>
           </p:cNvPr>
@@ -30821,7 +30778,7 @@
           <p:cNvPr id="23" name="이등변 삼각형 22">
             <a:extLst>
               <a:ext uri="{FF2B5EF4-FFF2-40B4-BE49-F238E27FC236}">
-                <a16:creationId xmlns:a16="http://schemas.microsoft.com/office/drawing/2014/main" xmlns="" id="{742AB3A5-9F15-4025-9B9C-60E180327E2D}"/>
+                <a16:creationId xmlns="" xmlns:a16="http://schemas.microsoft.com/office/drawing/2014/main" id="{742AB3A5-9F15-4025-9B9C-60E180327E2D}"/>
               </a:ext>
             </a:extLst>
           </p:cNvPr>
@@ -30877,7 +30834,7 @@
           <p:cNvPr id="43" name="직사각형 42">
             <a:extLst>
               <a:ext uri="{FF2B5EF4-FFF2-40B4-BE49-F238E27FC236}">
-                <a16:creationId xmlns:a16="http://schemas.microsoft.com/office/drawing/2014/main" xmlns="" id="{3FA00699-5178-465A-9F3F-130CF1431F70}"/>
+                <a16:creationId xmlns="" xmlns:a16="http://schemas.microsoft.com/office/drawing/2014/main" id="{3FA00699-5178-465A-9F3F-130CF1431F70}"/>
               </a:ext>
             </a:extLst>
           </p:cNvPr>
@@ -30929,7 +30886,7 @@
           <p:cNvPr id="46" name="직사각형 45">
             <a:extLst>
               <a:ext uri="{FF2B5EF4-FFF2-40B4-BE49-F238E27FC236}">
-                <a16:creationId xmlns:a16="http://schemas.microsoft.com/office/drawing/2014/main" xmlns="" id="{3FA00699-5178-465A-9F3F-130CF1431F70}"/>
+                <a16:creationId xmlns="" xmlns:a16="http://schemas.microsoft.com/office/drawing/2014/main" id="{3FA00699-5178-465A-9F3F-130CF1431F70}"/>
               </a:ext>
             </a:extLst>
           </p:cNvPr>
@@ -30982,7 +30939,7 @@
           <p:cNvPr id="47" name="직사각형 46">
             <a:extLst>
               <a:ext uri="{FF2B5EF4-FFF2-40B4-BE49-F238E27FC236}">
-                <a16:creationId xmlns:a16="http://schemas.microsoft.com/office/drawing/2014/main" xmlns="" id="{3FA00699-5178-465A-9F3F-130CF1431F70}"/>
+                <a16:creationId xmlns="" xmlns:a16="http://schemas.microsoft.com/office/drawing/2014/main" id="{3FA00699-5178-465A-9F3F-130CF1431F70}"/>
               </a:ext>
             </a:extLst>
           </p:cNvPr>
@@ -31212,7 +31169,7 @@
           <p:cNvPr id="26" name="직사각형 25">
             <a:extLst>
               <a:ext uri="{FF2B5EF4-FFF2-40B4-BE49-F238E27FC236}">
-                <a16:creationId xmlns:a16="http://schemas.microsoft.com/office/drawing/2014/main" xmlns="" id="{3FA00699-5178-465A-9F3F-130CF1431F70}"/>
+                <a16:creationId xmlns="" xmlns:a16="http://schemas.microsoft.com/office/drawing/2014/main" id="{3FA00699-5178-465A-9F3F-130CF1431F70}"/>
               </a:ext>
             </a:extLst>
           </p:cNvPr>
@@ -31352,7 +31309,7 @@
           <p:cNvPr id="27" name="직사각형 26">
             <a:extLst>
               <a:ext uri="{FF2B5EF4-FFF2-40B4-BE49-F238E27FC236}">
-                <a16:creationId xmlns:a16="http://schemas.microsoft.com/office/drawing/2014/main" xmlns="" id="{3FA00699-5178-465A-9F3F-130CF1431F70}"/>
+                <a16:creationId xmlns="" xmlns:a16="http://schemas.microsoft.com/office/drawing/2014/main" id="{3FA00699-5178-465A-9F3F-130CF1431F70}"/>
               </a:ext>
             </a:extLst>
           </p:cNvPr>
@@ -31464,7 +31421,7 @@
           <p:cNvPr id="24" name="직사각형 23">
             <a:extLst>
               <a:ext uri="{FF2B5EF4-FFF2-40B4-BE49-F238E27FC236}">
-                <a16:creationId xmlns:a16="http://schemas.microsoft.com/office/drawing/2014/main" xmlns="" id="{3FA00699-5178-465A-9F3F-130CF1431F70}"/>
+                <a16:creationId xmlns="" xmlns:a16="http://schemas.microsoft.com/office/drawing/2014/main" id="{3FA00699-5178-465A-9F3F-130CF1431F70}"/>
               </a:ext>
             </a:extLst>
           </p:cNvPr>
@@ -31517,7 +31474,7 @@
           <p:cNvPr id="25" name="직사각형 24">
             <a:extLst>
               <a:ext uri="{FF2B5EF4-FFF2-40B4-BE49-F238E27FC236}">
-                <a16:creationId xmlns:a16="http://schemas.microsoft.com/office/drawing/2014/main" xmlns="" id="{3FA00699-5178-465A-9F3F-130CF1431F70}"/>
+                <a16:creationId xmlns="" xmlns:a16="http://schemas.microsoft.com/office/drawing/2014/main" id="{3FA00699-5178-465A-9F3F-130CF1431F70}"/>
               </a:ext>
             </a:extLst>
           </p:cNvPr>
@@ -31570,7 +31527,7 @@
           <p:cNvPr id="28" name="직사각형 27">
             <a:extLst>
               <a:ext uri="{FF2B5EF4-FFF2-40B4-BE49-F238E27FC236}">
-                <a16:creationId xmlns:a16="http://schemas.microsoft.com/office/drawing/2014/main" xmlns="" id="{3FA00699-5178-465A-9F3F-130CF1431F70}"/>
+                <a16:creationId xmlns="" xmlns:a16="http://schemas.microsoft.com/office/drawing/2014/main" id="{3FA00699-5178-465A-9F3F-130CF1431F70}"/>
               </a:ext>
             </a:extLst>
           </p:cNvPr>
@@ -32797,7 +32754,7 @@
           <p:cNvPr id="23" name="이등변 삼각형 22">
             <a:extLst>
               <a:ext uri="{FF2B5EF4-FFF2-40B4-BE49-F238E27FC236}">
-                <a16:creationId xmlns:a16="http://schemas.microsoft.com/office/drawing/2014/main" xmlns="" id="{3B695B43-FCB9-4400-ABA8-A3244DFB6796}"/>
+                <a16:creationId xmlns="" xmlns:a16="http://schemas.microsoft.com/office/drawing/2014/main" id="{3B695B43-FCB9-4400-ABA8-A3244DFB6796}"/>
               </a:ext>
             </a:extLst>
           </p:cNvPr>
@@ -32853,7 +32810,7 @@
           <p:cNvPr id="34" name="직사각형 33">
             <a:extLst>
               <a:ext uri="{FF2B5EF4-FFF2-40B4-BE49-F238E27FC236}">
-                <a16:creationId xmlns:a16="http://schemas.microsoft.com/office/drawing/2014/main" xmlns="" id="{3FA00699-5178-465A-9F3F-130CF1431F70}"/>
+                <a16:creationId xmlns="" xmlns:a16="http://schemas.microsoft.com/office/drawing/2014/main" id="{3FA00699-5178-465A-9F3F-130CF1431F70}"/>
               </a:ext>
             </a:extLst>
           </p:cNvPr>
@@ -32960,7 +32917,7 @@
             <p:cNvPr id="43" name="직사각형 42">
               <a:extLst>
                 <a:ext uri="{FF2B5EF4-FFF2-40B4-BE49-F238E27FC236}">
-                  <a16:creationId xmlns:a16="http://schemas.microsoft.com/office/drawing/2014/main" xmlns="" id="{3FA00699-5178-465A-9F3F-130CF1431F70}"/>
+                  <a16:creationId xmlns="" xmlns:a16="http://schemas.microsoft.com/office/drawing/2014/main" id="{3FA00699-5178-465A-9F3F-130CF1431F70}"/>
                 </a:ext>
               </a:extLst>
             </p:cNvPr>
@@ -33088,7 +33045,7 @@
             <p:cNvPr id="46" name="직사각형 45">
               <a:extLst>
                 <a:ext uri="{FF2B5EF4-FFF2-40B4-BE49-F238E27FC236}">
-                  <a16:creationId xmlns:a16="http://schemas.microsoft.com/office/drawing/2014/main" xmlns="" id="{3FA00699-5178-465A-9F3F-130CF1431F70}"/>
+                  <a16:creationId xmlns="" xmlns:a16="http://schemas.microsoft.com/office/drawing/2014/main" id="{3FA00699-5178-465A-9F3F-130CF1431F70}"/>
                 </a:ext>
               </a:extLst>
             </p:cNvPr>
@@ -33162,7 +33119,7 @@
           <p:cNvPr id="47" name="직사각형 46">
             <a:extLst>
               <a:ext uri="{FF2B5EF4-FFF2-40B4-BE49-F238E27FC236}">
-                <a16:creationId xmlns:a16="http://schemas.microsoft.com/office/drawing/2014/main" xmlns="" id="{3FA00699-5178-465A-9F3F-130CF1431F70}"/>
+                <a16:creationId xmlns="" xmlns:a16="http://schemas.microsoft.com/office/drawing/2014/main" id="{3FA00699-5178-465A-9F3F-130CF1431F70}"/>
               </a:ext>
             </a:extLst>
           </p:cNvPr>
@@ -33224,7 +33181,7 @@
           <p:cNvPr id="48" name="직사각형 47">
             <a:extLst>
               <a:ext uri="{FF2B5EF4-FFF2-40B4-BE49-F238E27FC236}">
-                <a16:creationId xmlns:a16="http://schemas.microsoft.com/office/drawing/2014/main" xmlns="" id="{3FA00699-5178-465A-9F3F-130CF1431F70}"/>
+                <a16:creationId xmlns="" xmlns:a16="http://schemas.microsoft.com/office/drawing/2014/main" id="{3FA00699-5178-465A-9F3F-130CF1431F70}"/>
               </a:ext>
             </a:extLst>
           </p:cNvPr>
@@ -33286,7 +33243,7 @@
           <p:cNvPr id="49" name="직사각형 48">
             <a:extLst>
               <a:ext uri="{FF2B5EF4-FFF2-40B4-BE49-F238E27FC236}">
-                <a16:creationId xmlns:a16="http://schemas.microsoft.com/office/drawing/2014/main" xmlns="" id="{3FA00699-5178-465A-9F3F-130CF1431F70}"/>
+                <a16:creationId xmlns="" xmlns:a16="http://schemas.microsoft.com/office/drawing/2014/main" id="{3FA00699-5178-465A-9F3F-130CF1431F70}"/>
               </a:ext>
             </a:extLst>
           </p:cNvPr>
@@ -36595,7 +36552,7 @@
           <p:cNvPr id="31" name="직사각형 30">
             <a:extLst>
               <a:ext uri="{FF2B5EF4-FFF2-40B4-BE49-F238E27FC236}">
-                <a16:creationId xmlns:a16="http://schemas.microsoft.com/office/drawing/2014/main" xmlns="" id="{3FA00699-5178-465A-9F3F-130CF1431F70}"/>
+                <a16:creationId xmlns="" xmlns:a16="http://schemas.microsoft.com/office/drawing/2014/main" id="{3FA00699-5178-465A-9F3F-130CF1431F70}"/>
               </a:ext>
             </a:extLst>
           </p:cNvPr>
@@ -36701,7 +36658,7 @@
           <p:cNvPr id="40" name="직사각형 39">
             <a:extLst>
               <a:ext uri="{FF2B5EF4-FFF2-40B4-BE49-F238E27FC236}">
-                <a16:creationId xmlns:a16="http://schemas.microsoft.com/office/drawing/2014/main" xmlns="" id="{3FA00699-5178-465A-9F3F-130CF1431F70}"/>
+                <a16:creationId xmlns="" xmlns:a16="http://schemas.microsoft.com/office/drawing/2014/main" id="{3FA00699-5178-465A-9F3F-130CF1431F70}"/>
               </a:ext>
             </a:extLst>
           </p:cNvPr>
@@ -37898,7 +37855,7 @@
           <p:cNvPr id="14" name="직사각형 13">
             <a:extLst>
               <a:ext uri="{FF2B5EF4-FFF2-40B4-BE49-F238E27FC236}">
-                <a16:creationId xmlns:a16="http://schemas.microsoft.com/office/drawing/2014/main" xmlns="" id="{3FA00699-5178-465A-9F3F-130CF1431F70}"/>
+                <a16:creationId xmlns="" xmlns:a16="http://schemas.microsoft.com/office/drawing/2014/main" id="{3FA00699-5178-465A-9F3F-130CF1431F70}"/>
               </a:ext>
             </a:extLst>
           </p:cNvPr>
@@ -37971,7 +37928,7 @@
           <p:cNvPr id="16" name="직사각형 15">
             <a:extLst>
               <a:ext uri="{FF2B5EF4-FFF2-40B4-BE49-F238E27FC236}">
-                <a16:creationId xmlns:a16="http://schemas.microsoft.com/office/drawing/2014/main" xmlns="" id="{3FA00699-5178-465A-9F3F-130CF1431F70}"/>
+                <a16:creationId xmlns="" xmlns:a16="http://schemas.microsoft.com/office/drawing/2014/main" id="{3FA00699-5178-465A-9F3F-130CF1431F70}"/>
               </a:ext>
             </a:extLst>
           </p:cNvPr>
@@ -38054,7 +38011,7 @@
       </p:cxnSp>
       <p:pic>
         <p:nvPicPr>
-          <p:cNvPr id="5" name="그림 4"/>
+          <p:cNvPr id="3" name="그림 2"/>
           <p:cNvPicPr>
             <a:picLocks noChangeAspect="1"/>
           </p:cNvPicPr>
@@ -38068,8 +38025,8 @@
         </p:blipFill>
         <p:spPr>
           <a:xfrm>
-            <a:off x="7583799" y="3071190"/>
-            <a:ext cx="3962953" cy="2048161"/>
+            <a:off x="7583799" y="3083176"/>
+            <a:ext cx="3419952" cy="1581371"/>
           </a:xfrm>
           <a:prstGeom prst="rect">
             <a:avLst/>
